--- a/LABS/LAB06/Lab6_C#_Containers.pptx
+++ b/LABS/LAB06/Lab6_C#_Containers.pptx
@@ -5,7 +5,7 @@
     <p:sldMasterId id="2147483697" r:id="rId1"/>
   </p:sldMasterIdLst>
   <p:notesMasterIdLst>
-    <p:notesMasterId r:id="rId15"/>
+    <p:notesMasterId r:id="rId14"/>
   </p:notesMasterIdLst>
   <p:sldIdLst>
     <p:sldId id="256" r:id="rId2"/>
@@ -20,7 +20,6 @@
     <p:sldId id="333" r:id="rId11"/>
     <p:sldId id="332" r:id="rId12"/>
     <p:sldId id="334" r:id="rId13"/>
-    <p:sldId id="335" r:id="rId14"/>
   </p:sldIdLst>
   <p:sldSz cx="9144000" cy="6858000" type="screen4x3"/>
   <p:notesSz cx="6858000" cy="9144000"/>
@@ -1458,7 +1457,7 @@
           </a:lstStyle>
           <a:p>
             <a:r>
-              <a:rPr lang="en-US" smtClean="0"/>
+              <a:rPr lang="en-US"/>
               <a:t>Click to edit Master title style</a:t>
             </a:r>
             <a:endParaRPr lang="en-US" dirty="0"/>
@@ -1578,7 +1577,7 @@
           </a:lstStyle>
           <a:p>
             <a:r>
-              <a:rPr lang="en-US" smtClean="0"/>
+              <a:rPr lang="en-US"/>
               <a:t>Click to edit Master subtitle style</a:t>
             </a:r>
             <a:endParaRPr lang="en-US" dirty="0"/>
@@ -1807,7 +1806,7 @@
           </a:lstStyle>
           <a:p>
             <a:r>
-              <a:rPr lang="en-US" smtClean="0"/>
+              <a:rPr lang="en-US"/>
               <a:t>Click to edit Master title style</a:t>
             </a:r>
             <a:endParaRPr lang="en-US" dirty="0"/>
@@ -1930,7 +1929,7 @@
           <a:p>
             <a:pPr lvl="0"/>
             <a:r>
-              <a:rPr lang="en-US" smtClean="0"/>
+              <a:rPr lang="en-US"/>
               <a:t>Click to edit Master text styles</a:t>
             </a:r>
           </a:p>
@@ -2163,7 +2162,7 @@
           </a:lstStyle>
           <a:p>
             <a:r>
-              <a:rPr lang="en-US" smtClean="0"/>
+              <a:rPr lang="en-US"/>
               <a:t>Click to edit Master title style</a:t>
             </a:r>
             <a:endParaRPr lang="en-US" dirty="0"/>
@@ -2227,7 +2226,7 @@
           <a:p>
             <a:pPr lvl="0"/>
             <a:r>
-              <a:rPr lang="en-US" smtClean="0"/>
+              <a:rPr lang="en-US"/>
               <a:t>Click to edit Master text styles</a:t>
             </a:r>
           </a:p>
@@ -2349,7 +2348,7 @@
           <a:p>
             <a:pPr lvl="0"/>
             <a:r>
-              <a:rPr lang="en-US" smtClean="0"/>
+              <a:rPr lang="en-US"/>
               <a:t>Click to edit Master text styles</a:t>
             </a:r>
           </a:p>
@@ -2658,7 +2657,7 @@
           </a:lstStyle>
           <a:p>
             <a:r>
-              <a:rPr lang="en-US" smtClean="0"/>
+              <a:rPr lang="en-US"/>
               <a:t>Click to edit Master title style</a:t>
             </a:r>
             <a:endParaRPr lang="en-US" dirty="0"/>
@@ -2703,7 +2702,7 @@
               <a:buNone/>
             </a:pPr>
             <a:r>
-              <a:rPr lang="en-US" smtClean="0"/>
+              <a:rPr lang="en-US"/>
               <a:t>Click to edit Master text styles</a:t>
             </a:r>
           </a:p>
@@ -2936,7 +2935,7 @@
           </a:lstStyle>
           <a:p>
             <a:r>
-              <a:rPr lang="en-US" smtClean="0"/>
+              <a:rPr lang="en-US"/>
               <a:t>Click to edit Master title style</a:t>
             </a:r>
             <a:endParaRPr lang="en-US" dirty="0"/>
@@ -2997,7 +2996,7 @@
           <a:p>
             <a:pPr lvl="0"/>
             <a:r>
-              <a:rPr lang="en-US" smtClean="0"/>
+              <a:rPr lang="en-US"/>
               <a:t>Click to edit Master text styles</a:t>
             </a:r>
           </a:p>
@@ -3041,7 +3040,7 @@
               <a:buNone/>
             </a:pPr>
             <a:r>
-              <a:rPr lang="en-US" smtClean="0"/>
+              <a:rPr lang="en-US"/>
               <a:t>Click to edit Master text styles</a:t>
             </a:r>
           </a:p>
@@ -3350,7 +3349,7 @@
           </a:lstStyle>
           <a:p>
             <a:r>
-              <a:rPr lang="en-US" smtClean="0"/>
+              <a:rPr lang="en-US"/>
               <a:t>Click to edit Master title style</a:t>
             </a:r>
             <a:endParaRPr lang="en-US" dirty="0"/>
@@ -3411,7 +3410,7 @@
           <a:p>
             <a:pPr lvl="0"/>
             <a:r>
-              <a:rPr lang="en-US" smtClean="0"/>
+              <a:rPr lang="en-US"/>
               <a:t>Click to edit Master text styles</a:t>
             </a:r>
           </a:p>
@@ -3455,7 +3454,7 @@
               <a:buNone/>
             </a:pPr>
             <a:r>
-              <a:rPr lang="en-US" smtClean="0"/>
+              <a:rPr lang="en-US"/>
               <a:t>Click to edit Master text styles</a:t>
             </a:r>
           </a:p>
@@ -3677,7 +3676,7 @@
           <a:lstStyle/>
           <a:p>
             <a:r>
-              <a:rPr lang="en-US" smtClean="0"/>
+              <a:rPr lang="en-US"/>
               <a:t>Click to edit Master title style</a:t>
             </a:r>
             <a:endParaRPr lang="en-US" dirty="0"/>
@@ -3701,35 +3700,35 @@
           <a:p>
             <a:pPr lvl="0"/>
             <a:r>
-              <a:rPr lang="en-US" smtClean="0"/>
+              <a:rPr lang="en-US"/>
               <a:t>Click to edit Master text styles</a:t>
             </a:r>
           </a:p>
           <a:p>
             <a:pPr lvl="1"/>
             <a:r>
-              <a:rPr lang="en-US" smtClean="0"/>
+              <a:rPr lang="en-US"/>
               <a:t>Second level</a:t>
             </a:r>
           </a:p>
           <a:p>
             <a:pPr lvl="2"/>
             <a:r>
-              <a:rPr lang="en-US" smtClean="0"/>
+              <a:rPr lang="en-US"/>
               <a:t>Third level</a:t>
             </a:r>
           </a:p>
           <a:p>
             <a:pPr lvl="3"/>
             <a:r>
-              <a:rPr lang="en-US" smtClean="0"/>
+              <a:rPr lang="en-US"/>
               <a:t>Fourth level</a:t>
             </a:r>
           </a:p>
           <a:p>
             <a:pPr lvl="4"/>
             <a:r>
-              <a:rPr lang="en-US" smtClean="0"/>
+              <a:rPr lang="en-US"/>
               <a:t>Fifth level</a:t>
             </a:r>
             <a:endParaRPr lang="en-US" dirty="0"/>
@@ -3951,7 +3950,7 @@
           <a:lstStyle/>
           <a:p>
             <a:r>
-              <a:rPr lang="en-US" smtClean="0"/>
+              <a:rPr lang="en-US"/>
               <a:t>Click to edit Master title style</a:t>
             </a:r>
             <a:endParaRPr lang="en-US" dirty="0"/>
@@ -3980,35 +3979,35 @@
           <a:p>
             <a:pPr lvl="0"/>
             <a:r>
-              <a:rPr lang="en-US" smtClean="0"/>
+              <a:rPr lang="en-US"/>
               <a:t>Click to edit Master text styles</a:t>
             </a:r>
           </a:p>
           <a:p>
             <a:pPr lvl="1"/>
             <a:r>
-              <a:rPr lang="en-US" smtClean="0"/>
+              <a:rPr lang="en-US"/>
               <a:t>Second level</a:t>
             </a:r>
           </a:p>
           <a:p>
             <a:pPr lvl="2"/>
             <a:r>
-              <a:rPr lang="en-US" smtClean="0"/>
+              <a:rPr lang="en-US"/>
               <a:t>Third level</a:t>
             </a:r>
           </a:p>
           <a:p>
             <a:pPr lvl="3"/>
             <a:r>
-              <a:rPr lang="en-US" smtClean="0"/>
+              <a:rPr lang="en-US"/>
               <a:t>Fourth level</a:t>
             </a:r>
           </a:p>
           <a:p>
             <a:pPr lvl="4"/>
             <a:r>
-              <a:rPr lang="en-US" smtClean="0"/>
+              <a:rPr lang="en-US"/>
               <a:t>Fifth level</a:t>
             </a:r>
             <a:endParaRPr lang="en-US" dirty="0"/>
@@ -4790,7 +4789,7 @@
           <a:lstStyle/>
           <a:p>
             <a:r>
-              <a:rPr lang="en-US" smtClean="0"/>
+              <a:rPr lang="en-US"/>
               <a:t>Click to edit Master title style</a:t>
             </a:r>
             <a:endParaRPr lang="en-US" dirty="0"/>
@@ -4819,35 +4818,35 @@
           <a:p>
             <a:pPr lvl="0"/>
             <a:r>
-              <a:rPr lang="en-US" smtClean="0"/>
+              <a:rPr lang="en-US"/>
               <a:t>Click to edit Master text styles</a:t>
             </a:r>
           </a:p>
           <a:p>
             <a:pPr lvl="1"/>
             <a:r>
-              <a:rPr lang="en-US" smtClean="0"/>
+              <a:rPr lang="en-US"/>
               <a:t>Second level</a:t>
             </a:r>
           </a:p>
           <a:p>
             <a:pPr lvl="2"/>
             <a:r>
-              <a:rPr lang="en-US" smtClean="0"/>
+              <a:rPr lang="en-US"/>
               <a:t>Third level</a:t>
             </a:r>
           </a:p>
           <a:p>
             <a:pPr lvl="3"/>
             <a:r>
-              <a:rPr lang="en-US" smtClean="0"/>
+              <a:rPr lang="en-US"/>
               <a:t>Fourth level</a:t>
             </a:r>
           </a:p>
           <a:p>
             <a:pPr lvl="4"/>
             <a:r>
-              <a:rPr lang="en-US" smtClean="0"/>
+              <a:rPr lang="en-US"/>
               <a:t>Fifth level</a:t>
             </a:r>
             <a:endParaRPr lang="en-US" dirty="0"/>
@@ -5074,7 +5073,7 @@
           </a:lstStyle>
           <a:p>
             <a:r>
-              <a:rPr lang="en-US" smtClean="0"/>
+              <a:rPr lang="en-US"/>
               <a:t>Click to edit Master title style</a:t>
             </a:r>
             <a:endParaRPr lang="en-US" dirty="0"/>
@@ -5195,7 +5194,7 @@
           <a:p>
             <a:pPr lvl="0"/>
             <a:r>
-              <a:rPr lang="en-US" smtClean="0"/>
+              <a:rPr lang="en-US"/>
               <a:t>Click to edit Master text styles</a:t>
             </a:r>
           </a:p>
@@ -5416,7 +5415,7 @@
           <a:lstStyle/>
           <a:p>
             <a:r>
-              <a:rPr lang="en-US" smtClean="0"/>
+              <a:rPr lang="en-US"/>
               <a:t>Click to edit Master title style</a:t>
             </a:r>
             <a:endParaRPr lang="en-US" dirty="0"/>
@@ -5447,35 +5446,35 @@
           <a:p>
             <a:pPr lvl="0"/>
             <a:r>
-              <a:rPr lang="en-US" smtClean="0"/>
+              <a:rPr lang="en-US"/>
               <a:t>Click to edit Master text styles</a:t>
             </a:r>
           </a:p>
           <a:p>
             <a:pPr lvl="1"/>
             <a:r>
-              <a:rPr lang="en-US" smtClean="0"/>
+              <a:rPr lang="en-US"/>
               <a:t>Second level</a:t>
             </a:r>
           </a:p>
           <a:p>
             <a:pPr lvl="2"/>
             <a:r>
-              <a:rPr lang="en-US" smtClean="0"/>
+              <a:rPr lang="en-US"/>
               <a:t>Third level</a:t>
             </a:r>
           </a:p>
           <a:p>
             <a:pPr lvl="3"/>
             <a:r>
-              <a:rPr lang="en-US" smtClean="0"/>
+              <a:rPr lang="en-US"/>
               <a:t>Fourth level</a:t>
             </a:r>
           </a:p>
           <a:p>
             <a:pPr lvl="4"/>
             <a:r>
-              <a:rPr lang="en-US" smtClean="0"/>
+              <a:rPr lang="en-US"/>
               <a:t>Fifth level</a:t>
             </a:r>
             <a:endParaRPr lang="en-US" dirty="0"/>
@@ -5506,35 +5505,35 @@
           <a:p>
             <a:pPr lvl="0"/>
             <a:r>
-              <a:rPr lang="en-US" smtClean="0"/>
+              <a:rPr lang="en-US"/>
               <a:t>Click to edit Master text styles</a:t>
             </a:r>
           </a:p>
           <a:p>
             <a:pPr lvl="1"/>
             <a:r>
-              <a:rPr lang="en-US" smtClean="0"/>
+              <a:rPr lang="en-US"/>
               <a:t>Second level</a:t>
             </a:r>
           </a:p>
           <a:p>
             <a:pPr lvl="2"/>
             <a:r>
-              <a:rPr lang="en-US" smtClean="0"/>
+              <a:rPr lang="en-US"/>
               <a:t>Third level</a:t>
             </a:r>
           </a:p>
           <a:p>
             <a:pPr lvl="3"/>
             <a:r>
-              <a:rPr lang="en-US" smtClean="0"/>
+              <a:rPr lang="en-US"/>
               <a:t>Fourth level</a:t>
             </a:r>
           </a:p>
           <a:p>
             <a:pPr lvl="4"/>
             <a:r>
-              <a:rPr lang="en-US" smtClean="0"/>
+              <a:rPr lang="en-US"/>
               <a:t>Fifth level</a:t>
             </a:r>
             <a:endParaRPr lang="en-US" dirty="0"/>
@@ -5756,7 +5755,7 @@
           <a:lstStyle/>
           <a:p>
             <a:r>
-              <a:rPr lang="en-US" smtClean="0"/>
+              <a:rPr lang="en-US"/>
               <a:t>Click to edit Master title style</a:t>
             </a:r>
             <a:endParaRPr lang="en-US" dirty="0"/>
@@ -5824,7 +5823,7 @@
           <a:p>
             <a:pPr lvl="0"/>
             <a:r>
-              <a:rPr lang="en-US" smtClean="0"/>
+              <a:rPr lang="en-US"/>
               <a:t>Click to edit Master text styles</a:t>
             </a:r>
           </a:p>
@@ -5854,35 +5853,35 @@
           <a:p>
             <a:pPr lvl="0"/>
             <a:r>
-              <a:rPr lang="en-US" smtClean="0"/>
+              <a:rPr lang="en-US"/>
               <a:t>Click to edit Master text styles</a:t>
             </a:r>
           </a:p>
           <a:p>
             <a:pPr lvl="1"/>
             <a:r>
-              <a:rPr lang="en-US" smtClean="0"/>
+              <a:rPr lang="en-US"/>
               <a:t>Second level</a:t>
             </a:r>
           </a:p>
           <a:p>
             <a:pPr lvl="2"/>
             <a:r>
-              <a:rPr lang="en-US" smtClean="0"/>
+              <a:rPr lang="en-US"/>
               <a:t>Third level</a:t>
             </a:r>
           </a:p>
           <a:p>
             <a:pPr lvl="3"/>
             <a:r>
-              <a:rPr lang="en-US" smtClean="0"/>
+              <a:rPr lang="en-US"/>
               <a:t>Fourth level</a:t>
             </a:r>
           </a:p>
           <a:p>
             <a:pPr lvl="4"/>
             <a:r>
-              <a:rPr lang="en-US" smtClean="0"/>
+              <a:rPr lang="en-US"/>
               <a:t>Fifth level</a:t>
             </a:r>
             <a:endParaRPr lang="en-US" dirty="0"/>
@@ -5950,7 +5949,7 @@
           <a:p>
             <a:pPr lvl="0"/>
             <a:r>
-              <a:rPr lang="en-US" smtClean="0"/>
+              <a:rPr lang="en-US"/>
               <a:t>Click to edit Master text styles</a:t>
             </a:r>
           </a:p>
@@ -5980,35 +5979,35 @@
           <a:p>
             <a:pPr lvl="0"/>
             <a:r>
-              <a:rPr lang="en-US" smtClean="0"/>
+              <a:rPr lang="en-US"/>
               <a:t>Click to edit Master text styles</a:t>
             </a:r>
           </a:p>
           <a:p>
             <a:pPr lvl="1"/>
             <a:r>
-              <a:rPr lang="en-US" smtClean="0"/>
+              <a:rPr lang="en-US"/>
               <a:t>Second level</a:t>
             </a:r>
           </a:p>
           <a:p>
             <a:pPr lvl="2"/>
             <a:r>
-              <a:rPr lang="en-US" smtClean="0"/>
+              <a:rPr lang="en-US"/>
               <a:t>Third level</a:t>
             </a:r>
           </a:p>
           <a:p>
             <a:pPr lvl="3"/>
             <a:r>
-              <a:rPr lang="en-US" smtClean="0"/>
+              <a:rPr lang="en-US"/>
               <a:t>Fourth level</a:t>
             </a:r>
           </a:p>
           <a:p>
             <a:pPr lvl="4"/>
             <a:r>
-              <a:rPr lang="en-US" smtClean="0"/>
+              <a:rPr lang="en-US"/>
               <a:t>Fifth level</a:t>
             </a:r>
             <a:endParaRPr lang="en-US" dirty="0"/>
@@ -6235,7 +6234,7 @@
           <a:lstStyle/>
           <a:p>
             <a:r>
-              <a:rPr lang="en-US" smtClean="0"/>
+              <a:rPr lang="en-US"/>
               <a:t>Click to edit Master title style</a:t>
             </a:r>
             <a:endParaRPr lang="en-US" dirty="0"/>
@@ -6655,7 +6654,7 @@
           </a:lstStyle>
           <a:p>
             <a:r>
-              <a:rPr lang="en-US" smtClean="0"/>
+              <a:rPr lang="en-US"/>
               <a:t>Click to edit Master title style</a:t>
             </a:r>
             <a:endParaRPr lang="en-US" dirty="0"/>
@@ -6686,35 +6685,35 @@
           <a:p>
             <a:pPr lvl="0"/>
             <a:r>
-              <a:rPr lang="en-US" smtClean="0"/>
+              <a:rPr lang="en-US"/>
               <a:t>Click to edit Master text styles</a:t>
             </a:r>
           </a:p>
           <a:p>
             <a:pPr lvl="1"/>
             <a:r>
-              <a:rPr lang="en-US" smtClean="0"/>
+              <a:rPr lang="en-US"/>
               <a:t>Second level</a:t>
             </a:r>
           </a:p>
           <a:p>
             <a:pPr lvl="2"/>
             <a:r>
-              <a:rPr lang="en-US" smtClean="0"/>
+              <a:rPr lang="en-US"/>
               <a:t>Third level</a:t>
             </a:r>
           </a:p>
           <a:p>
             <a:pPr lvl="3"/>
             <a:r>
-              <a:rPr lang="en-US" smtClean="0"/>
+              <a:rPr lang="en-US"/>
               <a:t>Fourth level</a:t>
             </a:r>
           </a:p>
           <a:p>
             <a:pPr lvl="4"/>
             <a:r>
-              <a:rPr lang="en-US" smtClean="0"/>
+              <a:rPr lang="en-US"/>
               <a:t>Fifth level</a:t>
             </a:r>
             <a:endParaRPr lang="en-US" dirty="0"/>
@@ -6780,7 +6779,7 @@
           <a:p>
             <a:pPr lvl="0"/>
             <a:r>
-              <a:rPr lang="en-US" smtClean="0"/>
+              <a:rPr lang="en-US"/>
               <a:t>Click to edit Master text styles</a:t>
             </a:r>
           </a:p>
@@ -7007,7 +7006,7 @@
           </a:lstStyle>
           <a:p>
             <a:r>
-              <a:rPr lang="en-US" smtClean="0"/>
+              <a:rPr lang="en-US"/>
               <a:t>Click to edit Master title style</a:t>
             </a:r>
             <a:endParaRPr lang="en-US" dirty="0"/>
@@ -7074,7 +7073,7 @@
           </a:lstStyle>
           <a:p>
             <a:r>
-              <a:rPr lang="en-US" smtClean="0"/>
+              <a:rPr lang="en-US"/>
               <a:t>Click icon to add picture</a:t>
             </a:r>
             <a:endParaRPr lang="en-US" dirty="0"/>
@@ -7142,7 +7141,7 @@
           <a:p>
             <a:pPr lvl="0"/>
             <a:r>
-              <a:rPr lang="en-US" smtClean="0"/>
+              <a:rPr lang="en-US"/>
               <a:t>Click to edit Master text styles</a:t>
             </a:r>
           </a:p>
@@ -9195,7 +9194,7 @@
           <a:lstStyle/>
           <a:p>
             <a:r>
-              <a:rPr lang="en-US" smtClean="0"/>
+              <a:rPr lang="en-US"/>
               <a:t>Click to edit Master title style</a:t>
             </a:r>
             <a:endParaRPr lang="en-US" dirty="0"/>
@@ -9229,35 +9228,35 @@
           <a:p>
             <a:pPr lvl="0"/>
             <a:r>
-              <a:rPr lang="en-US" smtClean="0"/>
+              <a:rPr lang="en-US"/>
               <a:t>Click to edit Master text styles</a:t>
             </a:r>
           </a:p>
           <a:p>
             <a:pPr lvl="1"/>
             <a:r>
-              <a:rPr lang="en-US" smtClean="0"/>
+              <a:rPr lang="en-US"/>
               <a:t>Second level</a:t>
             </a:r>
           </a:p>
           <a:p>
             <a:pPr lvl="2"/>
             <a:r>
-              <a:rPr lang="en-US" smtClean="0"/>
+              <a:rPr lang="en-US"/>
               <a:t>Third level</a:t>
             </a:r>
           </a:p>
           <a:p>
             <a:pPr lvl="3"/>
             <a:r>
-              <a:rPr lang="en-US" smtClean="0"/>
+              <a:rPr lang="en-US"/>
               <a:t>Fourth level</a:t>
             </a:r>
           </a:p>
           <a:p>
             <a:pPr lvl="4"/>
             <a:r>
-              <a:rPr lang="en-US" smtClean="0"/>
+              <a:rPr lang="en-US"/>
               <a:t>Fifth level</a:t>
             </a:r>
             <a:endParaRPr lang="en-US" dirty="0"/>
@@ -9878,7 +9877,7 @@
               <a:buNone/>
             </a:pPr>
             <a:r>
-              <a:rPr lang="en-US" sz="4400" b="1" dirty="0" smtClean="0">
+              <a:rPr lang="en-US" sz="4400" b="1" dirty="0">
                 <a:solidFill>
                   <a:schemeClr val="tx1"/>
                 </a:solidFill>
@@ -9888,14 +9887,6 @@
               </a:rPr>
               <a:t>Containers</a:t>
             </a:r>
-            <a:endParaRPr lang="en-US" sz="4400" b="1" dirty="0">
-              <a:solidFill>
-                <a:schemeClr val="tx1"/>
-              </a:solidFill>
-              <a:ea typeface="Arial"/>
-              <a:cs typeface="Arial"/>
-              <a:sym typeface="Arial"/>
-            </a:endParaRPr>
           </a:p>
         </p:txBody>
       </p:sp>
@@ -9943,18 +9934,7 @@
                 <a:cs typeface="Arial"/>
                 <a:sym typeface="Arial"/>
               </a:rPr>
-              <a:t>AGGP </a:t>
-            </a:r>
-            <a:r>
-              <a:rPr lang="en-US" b="1" dirty="0" smtClean="0">
-                <a:solidFill>
-                  <a:schemeClr val="tx1"/>
-                </a:solidFill>
-                <a:ea typeface="Arial"/>
-                <a:cs typeface="Arial"/>
-                <a:sym typeface="Arial"/>
-              </a:rPr>
-              <a:t>101c</a:t>
+              <a:t>AGGP 101c</a:t>
             </a:r>
           </a:p>
           <a:p>
@@ -9964,17 +9944,6 @@
               </a:spcBef>
               <a:buSzPct val="25000"/>
             </a:pPr>
-            <a:r>
-              <a:rPr lang="en-US" b="1" dirty="0" smtClean="0">
-                <a:solidFill>
-                  <a:schemeClr val="tx1"/>
-                </a:solidFill>
-                <a:ea typeface="Arial"/>
-                <a:cs typeface="Arial"/>
-                <a:sym typeface="Arial"/>
-              </a:rPr>
-              <a:t>Introduction </a:t>
-            </a:r>
             <a:r>
               <a:rPr lang="en-US" b="1" dirty="0">
                 <a:solidFill>
@@ -9984,18 +9953,7 @@
                 <a:cs typeface="Arial"/>
                 <a:sym typeface="Arial"/>
               </a:rPr>
-              <a:t>to Game Design </a:t>
-            </a:r>
-            <a:r>
-              <a:rPr lang="en-US" b="1" dirty="0" smtClean="0">
-                <a:solidFill>
-                  <a:schemeClr val="tx1"/>
-                </a:solidFill>
-                <a:ea typeface="Arial"/>
-                <a:cs typeface="Arial"/>
-                <a:sym typeface="Arial"/>
-              </a:rPr>
-              <a:t>and </a:t>
+              <a:t>Introduction to Game Design and </a:t>
             </a:r>
           </a:p>
           <a:p>
@@ -10005,17 +9963,6 @@
               </a:spcBef>
               <a:buSzPct val="25000"/>
             </a:pPr>
-            <a:r>
-              <a:rPr lang="en-US" b="1" dirty="0" smtClean="0">
-                <a:solidFill>
-                  <a:schemeClr val="tx1"/>
-                </a:solidFill>
-                <a:ea typeface="Arial"/>
-                <a:cs typeface="Arial"/>
-                <a:sym typeface="Arial"/>
-              </a:rPr>
-              <a:t>Creation </a:t>
-            </a:r>
             <a:r>
               <a:rPr lang="en-US" b="1" dirty="0">
                 <a:solidFill>
@@ -10025,7 +9972,7 @@
                 <a:cs typeface="Arial"/>
                 <a:sym typeface="Arial"/>
               </a:rPr>
-              <a:t>with Programming</a:t>
+              <a:t>Creation with Programming</a:t>
             </a:r>
             <a:endParaRPr lang="en-US" sz="3200" b="0" i="0" u="none" strike="noStrike" cap="none" dirty="0">
               <a:solidFill>
@@ -10043,13 +9990,6 @@
   <p:clrMapOvr>
     <a:masterClrMapping/>
   </p:clrMapOvr>
-  <p:timing>
-    <p:tnLst>
-      <p:par>
-        <p:cTn id="1" dur="indefinite" restart="never" nodeType="tmRoot"/>
-      </p:par>
-    </p:tnLst>
-  </p:timing>
 </p:sld>
 </file>
 
@@ -10122,9 +10062,6 @@
               </a:rPr>
               <a:t>YOU ARE RESPONSIBLE FOR INITALIZING </a:t>
             </a:r>
-            <a:endParaRPr lang="en-US" b="1" dirty="0" smtClean="0">
-              <a:cs typeface="Courier New" panose="02070309020205020404" pitchFamily="49" charset="0"/>
-            </a:endParaRPr>
           </a:p>
           <a:p>
             <a:pPr>
@@ -10132,20 +10069,11 @@
               <a:buChar char="•"/>
             </a:pPr>
             <a:r>
-              <a:rPr lang="en-US" b="1" dirty="0" smtClean="0">
-                <a:cs typeface="Courier New" panose="02070309020205020404" pitchFamily="49" charset="0"/>
-              </a:rPr>
-              <a:t>When an Array or List is </a:t>
-            </a:r>
-            <a:r>
               <a:rPr lang="en-US" b="1" dirty="0">
                 <a:cs typeface="Courier New" panose="02070309020205020404" pitchFamily="49" charset="0"/>
               </a:rPr>
-              <a:t>declared </a:t>
-            </a:r>
-            <a:endParaRPr lang="en-US" b="1" dirty="0" smtClean="0">
-              <a:cs typeface="Courier New" panose="02070309020205020404" pitchFamily="49" charset="0"/>
-            </a:endParaRPr>
+              <a:t>When an Array or List is declared </a:t>
+            </a:r>
           </a:p>
           <a:p>
             <a:pPr lvl="1">
@@ -10153,7 +10081,7 @@
               <a:buChar char="•"/>
             </a:pPr>
             <a:r>
-              <a:rPr lang="en-US" sz="3200" b="1" dirty="0" smtClean="0">
+              <a:rPr lang="en-US" sz="3200" b="1" dirty="0">
                 <a:cs typeface="Courier New" panose="02070309020205020404" pitchFamily="49" charset="0"/>
               </a:rPr>
               <a:t> private </a:t>
@@ -10165,7 +10093,7 @@
               <a:buChar char="•"/>
             </a:pPr>
             <a:r>
-              <a:rPr lang="en-US" sz="3200" b="1" dirty="0" smtClean="0">
+              <a:rPr lang="en-US" sz="3200" b="1" dirty="0">
                 <a:cs typeface="Courier New" panose="02070309020205020404" pitchFamily="49" charset="0"/>
               </a:rPr>
               <a:t> protected </a:t>
@@ -10177,7 +10105,7 @@
               <a:buChar char="•"/>
             </a:pPr>
             <a:r>
-              <a:rPr lang="en-US" sz="3200" b="1" dirty="0" smtClean="0">
+              <a:rPr lang="en-US" sz="3200" b="1" dirty="0">
                 <a:cs typeface="Courier New" panose="02070309020205020404" pitchFamily="49" charset="0"/>
               </a:rPr>
               <a:t> local in a method</a:t>
@@ -10214,13 +10142,6 @@
   <p:clrMapOvr>
     <a:masterClrMapping/>
   </p:clrMapOvr>
-  <p:timing>
-    <p:tnLst>
-      <p:par>
-        <p:cTn id="1" dur="indefinite" restart="never" nodeType="tmRoot"/>
-      </p:par>
-    </p:tnLst>
-  </p:timing>
 </p:sld>
 </file>
 
@@ -10257,10 +10178,9 @@
           <a:lstStyle/>
           <a:p>
             <a:r>
-              <a:rPr lang="en-US" dirty="0" smtClean="0"/>
+              <a:rPr lang="en-US" dirty="0"/>
               <a:t>List Operations</a:t>
             </a:r>
-            <a:endParaRPr lang="en-US" dirty="0"/>
           </a:p>
         </p:txBody>
       </p:sp>
@@ -10285,7 +10205,7 @@
               <a:buNone/>
             </a:pPr>
             <a:r>
-              <a:rPr lang="en-US" sz="2000" b="1" dirty="0" smtClean="0">
+              <a:rPr lang="en-US" sz="2000" b="1" dirty="0">
                 <a:latin typeface="+mn-lt"/>
               </a:rPr>
               <a:t>List Declare		</a:t>
@@ -10305,27 +10225,27 @@
               <a:t>type</a:t>
             </a:r>
             <a:r>
-              <a:rPr lang="en-US" sz="2000" b="1" dirty="0" smtClean="0">
+              <a:rPr lang="en-US" sz="2000" b="1" dirty="0">
                 <a:latin typeface="Courier New" panose="02070309020205020404" pitchFamily="49" charset="0"/>
                 <a:cs typeface="Courier New" panose="02070309020205020404" pitchFamily="49" charset="0"/>
               </a:rPr>
               <a:t>&gt; </a:t>
             </a:r>
             <a:r>
-              <a:rPr lang="en-US" sz="2000" dirty="0" err="1" smtClean="0">
+              <a:rPr lang="en-US" sz="2000" dirty="0" err="1">
                 <a:latin typeface="Courier New" panose="02070309020205020404" pitchFamily="49" charset="0"/>
                 <a:cs typeface="Courier New" panose="02070309020205020404" pitchFamily="49" charset="0"/>
               </a:rPr>
               <a:t>listName</a:t>
             </a:r>
             <a:r>
-              <a:rPr lang="en-US" sz="2000" b="1" dirty="0" smtClean="0">
+              <a:rPr lang="en-US" sz="2000" b="1" dirty="0">
                 <a:latin typeface="Courier New" panose="02070309020205020404" pitchFamily="49" charset="0"/>
                 <a:cs typeface="Courier New" panose="02070309020205020404" pitchFamily="49" charset="0"/>
               </a:rPr>
               <a:t>; </a:t>
             </a:r>
-            <a:endParaRPr lang="en-US" sz="2000" b="1" dirty="0" smtClean="0">
+            <a:endParaRPr lang="en-US" sz="2000" b="1" dirty="0">
               <a:latin typeface="+mn-lt"/>
             </a:endParaRPr>
           </a:p>
@@ -10334,283 +10254,39 @@
               <a:buNone/>
             </a:pPr>
             <a:r>
-              <a:rPr lang="en-US" sz="2000" b="1" dirty="0" smtClean="0">
-                <a:latin typeface="+mn-lt"/>
-              </a:rPr>
-              <a:t>List Initiation</a:t>
-            </a:r>
-            <a:r>
               <a:rPr lang="en-US" sz="2000" b="1" dirty="0">
                 <a:latin typeface="+mn-lt"/>
               </a:rPr>
-              <a:t>	</a:t>
-            </a:r>
-            <a:r>
-              <a:rPr lang="en-US" sz="2000" b="1" dirty="0" smtClean="0">
-                <a:latin typeface="+mn-lt"/>
-              </a:rPr>
-              <a:t>	</a:t>
-            </a:r>
-            <a:r>
-              <a:rPr lang="en-US" sz="2000" dirty="0" err="1" smtClean="0">
+              <a:t>List Initiation		</a:t>
+            </a:r>
+            <a:r>
+              <a:rPr lang="en-US" sz="2000" dirty="0" err="1">
                 <a:latin typeface="Courier New" panose="02070309020205020404" pitchFamily="49" charset="0"/>
                 <a:cs typeface="Courier New" panose="02070309020205020404" pitchFamily="49" charset="0"/>
               </a:rPr>
               <a:t>listName</a:t>
-            </a:r>
-            <a:r>
-              <a:rPr lang="en-US" sz="2000" b="1" dirty="0" smtClean="0">
-                <a:latin typeface="Courier New" panose="02070309020205020404" pitchFamily="49" charset="0"/>
-                <a:cs typeface="Courier New" panose="02070309020205020404" pitchFamily="49" charset="0"/>
-              </a:rPr>
-              <a:t> = new List&lt;</a:t>
-            </a:r>
-            <a:r>
-              <a:rPr lang="en-US" sz="2000" dirty="0" smtClean="0">
-                <a:latin typeface="Courier New" panose="02070309020205020404" pitchFamily="49" charset="0"/>
-                <a:cs typeface="Courier New" panose="02070309020205020404" pitchFamily="49" charset="0"/>
-              </a:rPr>
-              <a:t>type</a:t>
-            </a:r>
-            <a:r>
-              <a:rPr lang="en-US" sz="2000" b="1" dirty="0" smtClean="0">
-                <a:latin typeface="Courier New" panose="02070309020205020404" pitchFamily="49" charset="0"/>
-                <a:cs typeface="Courier New" panose="02070309020205020404" pitchFamily="49" charset="0"/>
-              </a:rPr>
-              <a:t>&gt;(); </a:t>
-            </a:r>
-          </a:p>
-          <a:p>
-            <a:pPr marL="203200" indent="0">
-              <a:buNone/>
-            </a:pPr>
-            <a:r>
-              <a:rPr lang="en-US" sz="2000" b="1" dirty="0" smtClean="0">
-                <a:latin typeface="+mn-lt"/>
-                <a:cs typeface="Courier New" panose="02070309020205020404" pitchFamily="49" charset="0"/>
-              </a:rPr>
-              <a:t>Add item</a:t>
-            </a:r>
-            <a:r>
-              <a:rPr lang="en-US" sz="2000" b="1" dirty="0" smtClean="0">
-                <a:latin typeface="Courier New" panose="02070309020205020404" pitchFamily="49" charset="0"/>
-                <a:cs typeface="Courier New" panose="02070309020205020404" pitchFamily="49" charset="0"/>
-              </a:rPr>
-              <a:t>			</a:t>
-            </a:r>
-            <a:r>
-              <a:rPr lang="en-US" sz="2000" dirty="0" err="1" smtClean="0">
-                <a:latin typeface="Courier New" panose="02070309020205020404" pitchFamily="49" charset="0"/>
-                <a:cs typeface="Courier New" panose="02070309020205020404" pitchFamily="49" charset="0"/>
-              </a:rPr>
-              <a:t>listName</a:t>
-            </a:r>
-            <a:r>
-              <a:rPr lang="en-US" sz="2000" b="1" dirty="0" err="1" smtClean="0">
-                <a:latin typeface="Courier New" panose="02070309020205020404" pitchFamily="49" charset="0"/>
-                <a:cs typeface="Courier New" panose="02070309020205020404" pitchFamily="49" charset="0"/>
-              </a:rPr>
-              <a:t>.Add</a:t>
-            </a:r>
-            <a:r>
-              <a:rPr lang="en-US" sz="2000" b="1" dirty="0" smtClean="0">
-                <a:latin typeface="Courier New" panose="02070309020205020404" pitchFamily="49" charset="0"/>
-                <a:cs typeface="Courier New" panose="02070309020205020404" pitchFamily="49" charset="0"/>
-              </a:rPr>
-              <a:t>(</a:t>
-            </a:r>
-            <a:r>
-              <a:rPr lang="en-US" sz="2000" dirty="0" err="1" smtClean="0">
-                <a:latin typeface="Courier New" panose="02070309020205020404" pitchFamily="49" charset="0"/>
-                <a:cs typeface="Courier New" panose="02070309020205020404" pitchFamily="49" charset="0"/>
-              </a:rPr>
-              <a:t>itemToAdd</a:t>
-            </a:r>
-            <a:r>
-              <a:rPr lang="en-US" sz="2000" b="1" dirty="0" smtClean="0">
-                <a:latin typeface="Courier New" panose="02070309020205020404" pitchFamily="49" charset="0"/>
-                <a:cs typeface="Courier New" panose="02070309020205020404" pitchFamily="49" charset="0"/>
-              </a:rPr>
-              <a:t>);</a:t>
-            </a:r>
-            <a:endParaRPr lang="en-US" sz="2000" b="1" dirty="0">
-              <a:latin typeface="Courier New" panose="02070309020205020404" pitchFamily="49" charset="0"/>
-              <a:cs typeface="Courier New" panose="02070309020205020404" pitchFamily="49" charset="0"/>
-            </a:endParaRPr>
-          </a:p>
-          <a:p>
-            <a:pPr marL="203200" indent="0">
-              <a:buNone/>
-            </a:pPr>
-            <a:r>
-              <a:rPr lang="en-US" sz="2000" b="1" dirty="0" smtClean="0">
-                <a:latin typeface="+mn-lt"/>
-                <a:cs typeface="Courier New" panose="02070309020205020404" pitchFamily="49" charset="0"/>
-              </a:rPr>
-              <a:t>Remove item</a:t>
-            </a:r>
-            <a:r>
-              <a:rPr lang="en-US" sz="2000" b="1" dirty="0" smtClean="0">
-                <a:latin typeface="Courier New" panose="02070309020205020404" pitchFamily="49" charset="0"/>
-                <a:cs typeface="Courier New" panose="02070309020205020404" pitchFamily="49" charset="0"/>
-              </a:rPr>
-              <a:t>		</a:t>
-            </a:r>
-            <a:r>
-              <a:rPr lang="en-US" sz="2000" dirty="0" err="1" smtClean="0">
-                <a:latin typeface="Courier New" panose="02070309020205020404" pitchFamily="49" charset="0"/>
-                <a:cs typeface="Courier New" panose="02070309020205020404" pitchFamily="49" charset="0"/>
-              </a:rPr>
-              <a:t>listName</a:t>
-            </a:r>
-            <a:r>
-              <a:rPr lang="en-US" sz="2000" b="1" dirty="0" err="1" smtClean="0">
-                <a:latin typeface="Courier New" panose="02070309020205020404" pitchFamily="49" charset="0"/>
-                <a:cs typeface="Courier New" panose="02070309020205020404" pitchFamily="49" charset="0"/>
-              </a:rPr>
-              <a:t>.Remove</a:t>
-            </a:r>
-            <a:r>
-              <a:rPr lang="en-US" sz="2000" b="1" dirty="0" smtClean="0">
-                <a:latin typeface="Courier New" panose="02070309020205020404" pitchFamily="49" charset="0"/>
-                <a:cs typeface="Courier New" panose="02070309020205020404" pitchFamily="49" charset="0"/>
-              </a:rPr>
-              <a:t>(</a:t>
-            </a:r>
-            <a:r>
-              <a:rPr lang="en-US" sz="2000" dirty="0" err="1" smtClean="0">
-                <a:latin typeface="Courier New" panose="02070309020205020404" pitchFamily="49" charset="0"/>
-                <a:cs typeface="Courier New" panose="02070309020205020404" pitchFamily="49" charset="0"/>
-              </a:rPr>
-              <a:t>itemToRemove</a:t>
-            </a:r>
-            <a:r>
-              <a:rPr lang="en-US" sz="2000" b="1" dirty="0" smtClean="0">
-                <a:latin typeface="Courier New" panose="02070309020205020404" pitchFamily="49" charset="0"/>
-                <a:cs typeface="Courier New" panose="02070309020205020404" pitchFamily="49" charset="0"/>
-              </a:rPr>
-              <a:t>);</a:t>
-            </a:r>
-            <a:endParaRPr lang="en-US" sz="2000" b="1" dirty="0">
-              <a:latin typeface="Courier New" panose="02070309020205020404" pitchFamily="49" charset="0"/>
-              <a:cs typeface="Courier New" panose="02070309020205020404" pitchFamily="49" charset="0"/>
-            </a:endParaRPr>
-          </a:p>
-          <a:p>
-            <a:pPr marL="203200" indent="0">
-              <a:buNone/>
-            </a:pPr>
-            <a:r>
-              <a:rPr lang="en-US" sz="2000" b="1" dirty="0" smtClean="0">
-                <a:latin typeface="+mn-lt"/>
-                <a:cs typeface="Courier New" panose="02070309020205020404" pitchFamily="49" charset="0"/>
-              </a:rPr>
-              <a:t>Remove item at</a:t>
-            </a:r>
-            <a:r>
-              <a:rPr lang="en-US" sz="2000" b="1" dirty="0" smtClean="0">
-                <a:latin typeface="Courier New" panose="02070309020205020404" pitchFamily="49" charset="0"/>
-                <a:cs typeface="Courier New" panose="02070309020205020404" pitchFamily="49" charset="0"/>
-              </a:rPr>
-              <a:t>	</a:t>
-            </a:r>
-            <a:r>
-              <a:rPr lang="en-US" sz="2000" dirty="0" err="1" smtClean="0">
-                <a:latin typeface="Courier New" panose="02070309020205020404" pitchFamily="49" charset="0"/>
-                <a:cs typeface="Courier New" panose="02070309020205020404" pitchFamily="49" charset="0"/>
-              </a:rPr>
-              <a:t>listName</a:t>
-            </a:r>
-            <a:r>
-              <a:rPr lang="en-US" sz="2000" b="1" dirty="0" err="1" smtClean="0">
-                <a:latin typeface="Courier New" panose="02070309020205020404" pitchFamily="49" charset="0"/>
-                <a:cs typeface="Courier New" panose="02070309020205020404" pitchFamily="49" charset="0"/>
-              </a:rPr>
-              <a:t>.RemoveAt</a:t>
-            </a:r>
-            <a:r>
-              <a:rPr lang="en-US" sz="2000" b="1" dirty="0" smtClean="0">
-                <a:latin typeface="Courier New" panose="02070309020205020404" pitchFamily="49" charset="0"/>
-                <a:cs typeface="Courier New" panose="02070309020205020404" pitchFamily="49" charset="0"/>
-              </a:rPr>
-              <a:t>(</a:t>
-            </a:r>
-            <a:r>
-              <a:rPr lang="en-US" sz="2000" dirty="0" err="1" smtClean="0">
-                <a:latin typeface="Courier New" panose="02070309020205020404" pitchFamily="49" charset="0"/>
-                <a:cs typeface="Courier New" panose="02070309020205020404" pitchFamily="49" charset="0"/>
-              </a:rPr>
-              <a:t>indexToRemove</a:t>
-            </a:r>
-            <a:r>
-              <a:rPr lang="en-US" sz="2000" b="1" dirty="0" smtClean="0">
-                <a:latin typeface="Courier New" panose="02070309020205020404" pitchFamily="49" charset="0"/>
-                <a:cs typeface="Courier New" panose="02070309020205020404" pitchFamily="49" charset="0"/>
-              </a:rPr>
-              <a:t>);</a:t>
-            </a:r>
-            <a:endParaRPr lang="en-US" sz="2000" b="1" dirty="0">
-              <a:latin typeface="Courier New" panose="02070309020205020404" pitchFamily="49" charset="0"/>
-              <a:cs typeface="Courier New" panose="02070309020205020404" pitchFamily="49" charset="0"/>
-            </a:endParaRPr>
-          </a:p>
-          <a:p>
-            <a:pPr marL="203200" indent="0">
-              <a:buNone/>
-            </a:pPr>
-            <a:r>
-              <a:rPr lang="en-US" sz="2000" b="1" dirty="0" smtClean="0">
-                <a:latin typeface="+mn-lt"/>
-                <a:cs typeface="Courier New" panose="02070309020205020404" pitchFamily="49" charset="0"/>
-              </a:rPr>
-              <a:t>Is item in List</a:t>
-            </a:r>
-            <a:r>
-              <a:rPr lang="en-US" sz="2000" b="1" dirty="0" smtClean="0">
-                <a:latin typeface="Courier New" panose="02070309020205020404" pitchFamily="49" charset="0"/>
-                <a:cs typeface="Courier New" panose="02070309020205020404" pitchFamily="49" charset="0"/>
-              </a:rPr>
-              <a:t>		</a:t>
-            </a:r>
-            <a:r>
-              <a:rPr lang="en-US" sz="2000" dirty="0" err="1" smtClean="0">
-                <a:latin typeface="Courier New" panose="02070309020205020404" pitchFamily="49" charset="0"/>
-                <a:cs typeface="Courier New" panose="02070309020205020404" pitchFamily="49" charset="0"/>
-              </a:rPr>
-              <a:t>listName</a:t>
-            </a:r>
-            <a:r>
-              <a:rPr lang="en-US" sz="2000" b="1" dirty="0" err="1" smtClean="0">
-                <a:latin typeface="Courier New" panose="02070309020205020404" pitchFamily="49" charset="0"/>
-                <a:cs typeface="Courier New" panose="02070309020205020404" pitchFamily="49" charset="0"/>
-              </a:rPr>
-              <a:t>.Contains</a:t>
-            </a:r>
-            <a:r>
-              <a:rPr lang="en-US" sz="2000" b="1" dirty="0" smtClean="0">
-                <a:latin typeface="Courier New" panose="02070309020205020404" pitchFamily="49" charset="0"/>
-                <a:cs typeface="Courier New" panose="02070309020205020404" pitchFamily="49" charset="0"/>
-              </a:rPr>
-              <a:t>(</a:t>
-            </a:r>
-            <a:r>
-              <a:rPr lang="en-US" sz="2000" dirty="0" smtClean="0">
-                <a:latin typeface="Courier New" panose="02070309020205020404" pitchFamily="49" charset="0"/>
-                <a:cs typeface="Courier New" panose="02070309020205020404" pitchFamily="49" charset="0"/>
-              </a:rPr>
-              <a:t>item</a:t>
             </a:r>
             <a:r>
               <a:rPr lang="en-US" sz="2000" b="1" dirty="0">
                 <a:latin typeface="Courier New" panose="02070309020205020404" pitchFamily="49" charset="0"/>
                 <a:cs typeface="Courier New" panose="02070309020205020404" pitchFamily="49" charset="0"/>
               </a:rPr>
-              <a:t>);</a:t>
-            </a:r>
-            <a:endParaRPr lang="en-US" sz="2000" b="1" dirty="0" smtClean="0">
-              <a:latin typeface="Courier New" panose="02070309020205020404" pitchFamily="49" charset="0"/>
-              <a:cs typeface="Courier New" panose="02070309020205020404" pitchFamily="49" charset="0"/>
-            </a:endParaRPr>
+              <a:t> = new List&lt;</a:t>
+            </a:r>
+            <a:r>
+              <a:rPr lang="en-US" sz="2000" dirty="0">
+                <a:latin typeface="Courier New" panose="02070309020205020404" pitchFamily="49" charset="0"/>
+                <a:cs typeface="Courier New" panose="02070309020205020404" pitchFamily="49" charset="0"/>
+              </a:rPr>
+              <a:t>type</a:t>
+            </a:r>
+            <a:r>
+              <a:rPr lang="en-US" sz="2000" b="1" dirty="0">
+                <a:latin typeface="Courier New" panose="02070309020205020404" pitchFamily="49" charset="0"/>
+                <a:cs typeface="Courier New" panose="02070309020205020404" pitchFamily="49" charset="0"/>
+              </a:rPr>
+              <a:t>&gt;(); </a:t>
+            </a:r>
           </a:p>
           <a:p>
             <a:pPr marL="203200" indent="0">
@@ -10621,98 +10297,292 @@
                 <a:latin typeface="+mn-lt"/>
                 <a:cs typeface="Courier New" panose="02070309020205020404" pitchFamily="49" charset="0"/>
               </a:rPr>
-              <a:t>Clear List</a:t>
+              <a:t>Add item</a:t>
             </a:r>
             <a:r>
               <a:rPr lang="en-US" sz="2000" b="1" dirty="0">
                 <a:latin typeface="Courier New" panose="02070309020205020404" pitchFamily="49" charset="0"/>
                 <a:cs typeface="Courier New" panose="02070309020205020404" pitchFamily="49" charset="0"/>
               </a:rPr>
-              <a:t>		</a:t>
-            </a:r>
-            <a:r>
-              <a:rPr lang="en-US" sz="2000" b="1" dirty="0" smtClean="0">
+              <a:t>			</a:t>
+            </a:r>
+            <a:r>
+              <a:rPr lang="en-US" sz="2000" dirty="0" err="1">
                 <a:latin typeface="Courier New" panose="02070309020205020404" pitchFamily="49" charset="0"/>
                 <a:cs typeface="Courier New" panose="02070309020205020404" pitchFamily="49" charset="0"/>
               </a:rPr>
-              <a:t>	</a:t>
-            </a:r>
-            <a:r>
-              <a:rPr lang="en-US" sz="2000" dirty="0" err="1" smtClean="0">
+              <a:t>listName</a:t>
+            </a:r>
+            <a:r>
+              <a:rPr lang="en-US" sz="2000" b="1" dirty="0" err="1">
                 <a:latin typeface="Courier New" panose="02070309020205020404" pitchFamily="49" charset="0"/>
                 <a:cs typeface="Courier New" panose="02070309020205020404" pitchFamily="49" charset="0"/>
               </a:rPr>
-              <a:t>listName</a:t>
-            </a:r>
-            <a:r>
-              <a:rPr lang="en-US" sz="2000" b="1" dirty="0" err="1" smtClean="0">
-                <a:latin typeface="Courier New" panose="02070309020205020404" pitchFamily="49" charset="0"/>
-                <a:cs typeface="Courier New" panose="02070309020205020404" pitchFamily="49" charset="0"/>
-              </a:rPr>
-              <a:t>.Clear</a:t>
+              <a:t>.Add</a:t>
             </a:r>
             <a:r>
               <a:rPr lang="en-US" sz="2000" b="1" dirty="0">
                 <a:latin typeface="Courier New" panose="02070309020205020404" pitchFamily="49" charset="0"/>
                 <a:cs typeface="Courier New" panose="02070309020205020404" pitchFamily="49" charset="0"/>
               </a:rPr>
-              <a:t>(); </a:t>
-            </a:r>
-            <a:endParaRPr lang="en-US" sz="2000" b="1" dirty="0" smtClean="0">
-              <a:latin typeface="Courier New" panose="02070309020205020404" pitchFamily="49" charset="0"/>
-              <a:cs typeface="Courier New" panose="02070309020205020404" pitchFamily="49" charset="0"/>
-            </a:endParaRPr>
-          </a:p>
-          <a:p>
-            <a:pPr marL="203200" indent="0">
-              <a:buNone/>
-            </a:pPr>
-            <a:r>
-              <a:rPr lang="en-US" sz="2000" b="1" dirty="0" smtClean="0">
-                <a:latin typeface="+mn-lt"/>
-                <a:cs typeface="Courier New" panose="02070309020205020404" pitchFamily="49" charset="0"/>
-              </a:rPr>
-              <a:t>List Size</a:t>
+              <a:t>(</a:t>
+            </a:r>
+            <a:r>
+              <a:rPr lang="en-US" sz="2000" dirty="0" err="1">
+                <a:latin typeface="Courier New" panose="02070309020205020404" pitchFamily="49" charset="0"/>
+                <a:cs typeface="Courier New" panose="02070309020205020404" pitchFamily="49" charset="0"/>
+              </a:rPr>
+              <a:t>itemToAdd</a:t>
             </a:r>
             <a:r>
               <a:rPr lang="en-US" sz="2000" b="1" dirty="0">
                 <a:latin typeface="Courier New" panose="02070309020205020404" pitchFamily="49" charset="0"/>
                 <a:cs typeface="Courier New" panose="02070309020205020404" pitchFamily="49" charset="0"/>
               </a:rPr>
+              <a:t>);</a:t>
+            </a:r>
+          </a:p>
+          <a:p>
+            <a:pPr marL="203200" indent="0">
+              <a:buNone/>
+            </a:pPr>
+            <a:r>
+              <a:rPr lang="en-US" sz="2000" b="1" dirty="0">
+                <a:latin typeface="+mn-lt"/>
+                <a:cs typeface="Courier New" panose="02070309020205020404" pitchFamily="49" charset="0"/>
+              </a:rPr>
+              <a:t>Remove item</a:t>
+            </a:r>
+            <a:r>
+              <a:rPr lang="en-US" sz="2000" b="1" dirty="0">
+                <a:latin typeface="Courier New" panose="02070309020205020404" pitchFamily="49" charset="0"/>
+                <a:cs typeface="Courier New" panose="02070309020205020404" pitchFamily="49" charset="0"/>
+              </a:rPr>
+              <a:t>		</a:t>
+            </a:r>
+            <a:r>
+              <a:rPr lang="en-US" sz="2000" dirty="0" err="1">
+                <a:latin typeface="Courier New" panose="02070309020205020404" pitchFamily="49" charset="0"/>
+                <a:cs typeface="Courier New" panose="02070309020205020404" pitchFamily="49" charset="0"/>
+              </a:rPr>
+              <a:t>listName</a:t>
+            </a:r>
+            <a:r>
+              <a:rPr lang="en-US" sz="2000" b="1" dirty="0" err="1">
+                <a:latin typeface="Courier New" panose="02070309020205020404" pitchFamily="49" charset="0"/>
+                <a:cs typeface="Courier New" panose="02070309020205020404" pitchFamily="49" charset="0"/>
+              </a:rPr>
+              <a:t>.Remove</a:t>
+            </a:r>
+            <a:r>
+              <a:rPr lang="en-US" sz="2000" b="1" dirty="0">
+                <a:latin typeface="Courier New" panose="02070309020205020404" pitchFamily="49" charset="0"/>
+                <a:cs typeface="Courier New" panose="02070309020205020404" pitchFamily="49" charset="0"/>
+              </a:rPr>
+              <a:t>(</a:t>
+            </a:r>
+            <a:r>
+              <a:rPr lang="en-US" sz="2000" dirty="0" err="1">
+                <a:latin typeface="Courier New" panose="02070309020205020404" pitchFamily="49" charset="0"/>
+                <a:cs typeface="Courier New" panose="02070309020205020404" pitchFamily="49" charset="0"/>
+              </a:rPr>
+              <a:t>itemToRemove</a:t>
+            </a:r>
+            <a:r>
+              <a:rPr lang="en-US" sz="2000" b="1" dirty="0">
+                <a:latin typeface="Courier New" panose="02070309020205020404" pitchFamily="49" charset="0"/>
+                <a:cs typeface="Courier New" panose="02070309020205020404" pitchFamily="49" charset="0"/>
+              </a:rPr>
+              <a:t>);</a:t>
+            </a:r>
+          </a:p>
+          <a:p>
+            <a:pPr marL="203200" indent="0">
+              <a:buNone/>
+            </a:pPr>
+            <a:r>
+              <a:rPr lang="en-US" sz="2000" b="1" dirty="0">
+                <a:latin typeface="+mn-lt"/>
+                <a:cs typeface="Courier New" panose="02070309020205020404" pitchFamily="49" charset="0"/>
+              </a:rPr>
+              <a:t>Remove item at</a:t>
+            </a:r>
+            <a:r>
+              <a:rPr lang="en-US" sz="2000" b="1" dirty="0">
+                <a:latin typeface="Courier New" panose="02070309020205020404" pitchFamily="49" charset="0"/>
+                <a:cs typeface="Courier New" panose="02070309020205020404" pitchFamily="49" charset="0"/>
+              </a:rPr>
+              <a:t>	</a:t>
+            </a:r>
+            <a:r>
+              <a:rPr lang="en-US" sz="2000" dirty="0" err="1">
+                <a:latin typeface="Courier New" panose="02070309020205020404" pitchFamily="49" charset="0"/>
+                <a:cs typeface="Courier New" panose="02070309020205020404" pitchFamily="49" charset="0"/>
+              </a:rPr>
+              <a:t>listName</a:t>
+            </a:r>
+            <a:r>
+              <a:rPr lang="en-US" sz="2000" b="1" dirty="0" err="1">
+                <a:latin typeface="Courier New" panose="02070309020205020404" pitchFamily="49" charset="0"/>
+                <a:cs typeface="Courier New" panose="02070309020205020404" pitchFamily="49" charset="0"/>
+              </a:rPr>
+              <a:t>.RemoveAt</a:t>
+            </a:r>
+            <a:r>
+              <a:rPr lang="en-US" sz="2000" b="1" dirty="0">
+                <a:latin typeface="Courier New" panose="02070309020205020404" pitchFamily="49" charset="0"/>
+                <a:cs typeface="Courier New" panose="02070309020205020404" pitchFamily="49" charset="0"/>
+              </a:rPr>
+              <a:t>(</a:t>
+            </a:r>
+            <a:r>
+              <a:rPr lang="en-US" sz="2000" dirty="0" err="1">
+                <a:latin typeface="Courier New" panose="02070309020205020404" pitchFamily="49" charset="0"/>
+                <a:cs typeface="Courier New" panose="02070309020205020404" pitchFamily="49" charset="0"/>
+              </a:rPr>
+              <a:t>indexToRemove</a:t>
+            </a:r>
+            <a:r>
+              <a:rPr lang="en-US" sz="2000" b="1" dirty="0">
+                <a:latin typeface="Courier New" panose="02070309020205020404" pitchFamily="49" charset="0"/>
+                <a:cs typeface="Courier New" panose="02070309020205020404" pitchFamily="49" charset="0"/>
+              </a:rPr>
+              <a:t>);</a:t>
+            </a:r>
+          </a:p>
+          <a:p>
+            <a:pPr marL="203200" indent="0">
+              <a:buNone/>
+            </a:pPr>
+            <a:r>
+              <a:rPr lang="en-US" sz="2000" b="1" dirty="0">
+                <a:latin typeface="+mn-lt"/>
+                <a:cs typeface="Courier New" panose="02070309020205020404" pitchFamily="49" charset="0"/>
+              </a:rPr>
+              <a:t>Is item in List</a:t>
+            </a:r>
+            <a:r>
+              <a:rPr lang="en-US" sz="2000" b="1" dirty="0">
+                <a:latin typeface="Courier New" panose="02070309020205020404" pitchFamily="49" charset="0"/>
+                <a:cs typeface="Courier New" panose="02070309020205020404" pitchFamily="49" charset="0"/>
+              </a:rPr>
+              <a:t>		</a:t>
+            </a:r>
+            <a:r>
+              <a:rPr lang="en-US" sz="2000" dirty="0" err="1">
+                <a:latin typeface="Courier New" panose="02070309020205020404" pitchFamily="49" charset="0"/>
+                <a:cs typeface="Courier New" panose="02070309020205020404" pitchFamily="49" charset="0"/>
+              </a:rPr>
+              <a:t>listName</a:t>
+            </a:r>
+            <a:r>
+              <a:rPr lang="en-US" sz="2000" b="1" dirty="0" err="1">
+                <a:latin typeface="Courier New" panose="02070309020205020404" pitchFamily="49" charset="0"/>
+                <a:cs typeface="Courier New" panose="02070309020205020404" pitchFamily="49" charset="0"/>
+              </a:rPr>
+              <a:t>.Contains</a:t>
+            </a:r>
+            <a:r>
+              <a:rPr lang="en-US" sz="2000" b="1" dirty="0">
+                <a:latin typeface="Courier New" panose="02070309020205020404" pitchFamily="49" charset="0"/>
+                <a:cs typeface="Courier New" panose="02070309020205020404" pitchFamily="49" charset="0"/>
+              </a:rPr>
+              <a:t>(</a:t>
+            </a:r>
+            <a:r>
+              <a:rPr lang="en-US" sz="2000" dirty="0">
+                <a:latin typeface="Courier New" panose="02070309020205020404" pitchFamily="49" charset="0"/>
+                <a:cs typeface="Courier New" panose="02070309020205020404" pitchFamily="49" charset="0"/>
+              </a:rPr>
+              <a:t>item</a:t>
+            </a:r>
+            <a:r>
+              <a:rPr lang="en-US" sz="2000" b="1" dirty="0">
+                <a:latin typeface="Courier New" panose="02070309020205020404" pitchFamily="49" charset="0"/>
+                <a:cs typeface="Courier New" panose="02070309020205020404" pitchFamily="49" charset="0"/>
+              </a:rPr>
+              <a:t>);</a:t>
+            </a:r>
+          </a:p>
+          <a:p>
+            <a:pPr marL="203200" indent="0">
+              <a:buNone/>
+            </a:pPr>
+            <a:r>
+              <a:rPr lang="en-US" sz="2000" b="1" dirty="0">
+                <a:latin typeface="+mn-lt"/>
+                <a:cs typeface="Courier New" panose="02070309020205020404" pitchFamily="49" charset="0"/>
+              </a:rPr>
+              <a:t>Clear List</a:t>
+            </a:r>
+            <a:r>
+              <a:rPr lang="en-US" sz="2000" b="1" dirty="0">
+                <a:latin typeface="Courier New" panose="02070309020205020404" pitchFamily="49" charset="0"/>
+                <a:cs typeface="Courier New" panose="02070309020205020404" pitchFamily="49" charset="0"/>
+              </a:rPr>
               <a:t>			</a:t>
             </a:r>
             <a:r>
-              <a:rPr lang="en-US" sz="2000" dirty="0" err="1" smtClean="0">
+              <a:rPr lang="en-US" sz="2000" dirty="0" err="1">
                 <a:latin typeface="Courier New" panose="02070309020205020404" pitchFamily="49" charset="0"/>
                 <a:cs typeface="Courier New" panose="02070309020205020404" pitchFamily="49" charset="0"/>
               </a:rPr>
               <a:t>listName</a:t>
             </a:r>
             <a:r>
-              <a:rPr lang="en-US" sz="2000" b="1" dirty="0" err="1" smtClean="0">
+              <a:rPr lang="en-US" sz="2000" b="1" dirty="0" err="1">
                 <a:latin typeface="Courier New" panose="02070309020205020404" pitchFamily="49" charset="0"/>
                 <a:cs typeface="Courier New" panose="02070309020205020404" pitchFamily="49" charset="0"/>
               </a:rPr>
+              <a:t>.Clear</a:t>
+            </a:r>
+            <a:r>
+              <a:rPr lang="en-US" sz="2000" b="1" dirty="0">
+                <a:latin typeface="Courier New" panose="02070309020205020404" pitchFamily="49" charset="0"/>
+                <a:cs typeface="Courier New" panose="02070309020205020404" pitchFamily="49" charset="0"/>
+              </a:rPr>
+              <a:t>(); </a:t>
+            </a:r>
+          </a:p>
+          <a:p>
+            <a:pPr marL="203200" indent="0">
+              <a:buNone/>
+            </a:pPr>
+            <a:r>
+              <a:rPr lang="en-US" sz="2000" b="1" dirty="0">
+                <a:latin typeface="+mn-lt"/>
+                <a:cs typeface="Courier New" panose="02070309020205020404" pitchFamily="49" charset="0"/>
+              </a:rPr>
+              <a:t>List Size</a:t>
+            </a:r>
+            <a:r>
+              <a:rPr lang="en-US" sz="2000" b="1" dirty="0">
+                <a:latin typeface="Courier New" panose="02070309020205020404" pitchFamily="49" charset="0"/>
+                <a:cs typeface="Courier New" panose="02070309020205020404" pitchFamily="49" charset="0"/>
+              </a:rPr>
+              <a:t>			</a:t>
+            </a:r>
+            <a:r>
+              <a:rPr lang="en-US" sz="2000" dirty="0" err="1">
+                <a:latin typeface="Courier New" panose="02070309020205020404" pitchFamily="49" charset="0"/>
+                <a:cs typeface="Courier New" panose="02070309020205020404" pitchFamily="49" charset="0"/>
+              </a:rPr>
+              <a:t>listName</a:t>
+            </a:r>
+            <a:r>
+              <a:rPr lang="en-US" sz="2000" b="1" dirty="0" err="1">
+                <a:latin typeface="Courier New" panose="02070309020205020404" pitchFamily="49" charset="0"/>
+                <a:cs typeface="Courier New" panose="02070309020205020404" pitchFamily="49" charset="0"/>
+              </a:rPr>
               <a:t>.Count</a:t>
             </a:r>
             <a:r>
-              <a:rPr lang="en-US" sz="2000" b="1" dirty="0" smtClean="0">
+              <a:rPr lang="en-US" sz="2000" b="1" dirty="0">
                 <a:latin typeface="Courier New" panose="02070309020205020404" pitchFamily="49" charset="0"/>
                 <a:cs typeface="Courier New" panose="02070309020205020404" pitchFamily="49" charset="0"/>
               </a:rPr>
-              <a:t>; </a:t>
-            </a:r>
-            <a:r>
-              <a:rPr lang="en-US" sz="2000" b="1" dirty="0" smtClean="0">
-                <a:latin typeface="Courier New" panose="02070309020205020404" pitchFamily="49" charset="0"/>
-                <a:cs typeface="Courier New" panose="02070309020205020404" pitchFamily="49" charset="0"/>
-              </a:rPr>
-              <a:t>				</a:t>
-            </a:r>
-            <a:endParaRPr lang="en-US" sz="2000" b="1" dirty="0">
-              <a:latin typeface="Courier New" panose="02070309020205020404" pitchFamily="49" charset="0"/>
-              <a:cs typeface="Courier New" panose="02070309020205020404" pitchFamily="49" charset="0"/>
-            </a:endParaRPr>
+              <a:t>; 				</a:t>
+            </a:r>
           </a:p>
         </p:txBody>
       </p:sp>
@@ -10745,13 +10615,6 @@
   <p:clrMapOvr>
     <a:masterClrMapping/>
   </p:clrMapOvr>
-  <p:timing>
-    <p:tnLst>
-      <p:par>
-        <p:cTn id="1" dur="indefinite" restart="never" nodeType="tmRoot"/>
-      </p:par>
-    </p:tnLst>
-  </p:timing>
 </p:sld>
 </file>
 
@@ -10788,10 +10651,9 @@
           <a:lstStyle/>
           <a:p>
             <a:r>
-              <a:rPr lang="en-US" dirty="0" smtClean="0"/>
+              <a:rPr lang="en-US" dirty="0"/>
               <a:t>Arrays Initialization Examples</a:t>
             </a:r>
-            <a:endParaRPr lang="en-US" dirty="0"/>
           </a:p>
         </p:txBody>
       </p:sp>
@@ -10819,100 +10681,73 @@
               <a:rPr lang="en-US" sz="2000" b="1" i="1" dirty="0">
                 <a:latin typeface="+mn-lt"/>
               </a:rPr>
-              <a:t>Initiation with </a:t>
-            </a:r>
-            <a:r>
-              <a:rPr lang="en-US" sz="2000" b="1" i="1" dirty="0" smtClean="0">
-                <a:latin typeface="+mn-lt"/>
-              </a:rPr>
-              <a:t>default values</a:t>
-            </a:r>
-            <a:endParaRPr lang="en-US" sz="2000" b="1" i="1" dirty="0">
-              <a:latin typeface="+mn-lt"/>
-            </a:endParaRPr>
+              <a:t>Initiation with default values</a:t>
+            </a:r>
           </a:p>
           <a:p>
             <a:pPr marL="203200" indent="0">
               <a:buNone/>
             </a:pPr>
-            <a:r>
-              <a:rPr lang="en-US" sz="2000" dirty="0" smtClean="0">
-                <a:latin typeface="Courier New" panose="02070309020205020404" pitchFamily="49" charset="0"/>
-                <a:cs typeface="Courier New" panose="02070309020205020404" pitchFamily="49" charset="0"/>
-              </a:rPr>
-              <a:t>		</a:t>
-            </a:r>
-            <a:r>
-              <a:rPr lang="en-US" sz="2000" dirty="0" err="1" smtClean="0">
-                <a:latin typeface="Courier New" panose="02070309020205020404" pitchFamily="49" charset="0"/>
-                <a:cs typeface="Courier New" panose="02070309020205020404" pitchFamily="49" charset="0"/>
-              </a:rPr>
-              <a:t>int</a:t>
-            </a:r>
             <a:r>
               <a:rPr lang="en-US" sz="2000" dirty="0">
                 <a:latin typeface="Courier New" panose="02070309020205020404" pitchFamily="49" charset="0"/>
                 <a:cs typeface="Courier New" panose="02070309020205020404" pitchFamily="49" charset="0"/>
               </a:rPr>
-              <a:t>[] </a:t>
-            </a:r>
-            <a:r>
-              <a:rPr lang="en-US" sz="2000" dirty="0" err="1" smtClean="0">
+              <a:t>		</a:t>
+            </a:r>
+            <a:r>
+              <a:rPr lang="en-US" sz="2000" dirty="0" err="1">
                 <a:latin typeface="Courier New" panose="02070309020205020404" pitchFamily="49" charset="0"/>
                 <a:cs typeface="Courier New" panose="02070309020205020404" pitchFamily="49" charset="0"/>
               </a:rPr>
-              <a:t>intArray</a:t>
-            </a:r>
-            <a:r>
-              <a:rPr lang="en-US" sz="2000" dirty="0" smtClean="0">
-                <a:latin typeface="Courier New" panose="02070309020205020404" pitchFamily="49" charset="0"/>
-                <a:cs typeface="Courier New" panose="02070309020205020404" pitchFamily="49" charset="0"/>
-              </a:rPr>
-              <a:t> </a:t>
+              <a:t>int</a:t>
             </a:r>
             <a:r>
               <a:rPr lang="en-US" sz="2000" dirty="0">
                 <a:latin typeface="Courier New" panose="02070309020205020404" pitchFamily="49" charset="0"/>
                 <a:cs typeface="Courier New" panose="02070309020205020404" pitchFamily="49" charset="0"/>
               </a:rPr>
-              <a:t>= new </a:t>
+              <a:t>[] </a:t>
             </a:r>
             <a:r>
               <a:rPr lang="en-US" sz="2000" dirty="0" err="1">
                 <a:latin typeface="Courier New" panose="02070309020205020404" pitchFamily="49" charset="0"/>
                 <a:cs typeface="Courier New" panose="02070309020205020404" pitchFamily="49" charset="0"/>
               </a:rPr>
-              <a:t>int</a:t>
+              <a:t>intArray</a:t>
             </a:r>
             <a:r>
               <a:rPr lang="en-US" sz="2000" dirty="0">
                 <a:latin typeface="Courier New" panose="02070309020205020404" pitchFamily="49" charset="0"/>
                 <a:cs typeface="Courier New" panose="02070309020205020404" pitchFamily="49" charset="0"/>
               </a:rPr>
-              <a:t>[5]; </a:t>
-            </a:r>
-            <a:endParaRPr lang="en-US" sz="2000" dirty="0" smtClean="0">
-              <a:latin typeface="Courier New" panose="02070309020205020404" pitchFamily="49" charset="0"/>
-              <a:cs typeface="Courier New" panose="02070309020205020404" pitchFamily="49" charset="0"/>
-            </a:endParaRPr>
-          </a:p>
-          <a:p>
-            <a:pPr marL="203200" indent="0">
-              <a:buNone/>
-            </a:pPr>
-            <a:r>
-              <a:rPr lang="en-US" sz="2000" dirty="0" smtClean="0">
+              <a:t> = new </a:t>
+            </a:r>
+            <a:r>
+              <a:rPr lang="en-US" sz="2000" dirty="0" err="1">
                 <a:latin typeface="Courier New" panose="02070309020205020404" pitchFamily="49" charset="0"/>
                 <a:cs typeface="Courier New" panose="02070309020205020404" pitchFamily="49" charset="0"/>
               </a:rPr>
-              <a:t>		string</a:t>
+              <a:t>int</a:t>
             </a:r>
             <a:r>
               <a:rPr lang="en-US" sz="2000" dirty="0">
                 <a:latin typeface="Courier New" panose="02070309020205020404" pitchFamily="49" charset="0"/>
                 <a:cs typeface="Courier New" panose="02070309020205020404" pitchFamily="49" charset="0"/>
               </a:rPr>
-              <a:t>[] </a:t>
+              <a:t>[5]; </a:t>
+            </a:r>
+          </a:p>
+          <a:p>
+            <a:pPr marL="203200" indent="0">
+              <a:buNone/>
+            </a:pPr>
+            <a:r>
+              <a:rPr lang="en-US" sz="2000" dirty="0">
+                <a:latin typeface="Courier New" panose="02070309020205020404" pitchFamily="49" charset="0"/>
+                <a:cs typeface="Courier New" panose="02070309020205020404" pitchFamily="49" charset="0"/>
+              </a:rPr>
+              <a:t>		string[] </a:t>
             </a:r>
             <a:r>
               <a:rPr lang="en-US" sz="2000" dirty="0" err="1">
@@ -10926,14 +10761,7 @@
                 <a:latin typeface="Courier New" panose="02070309020205020404" pitchFamily="49" charset="0"/>
                 <a:cs typeface="Courier New" panose="02070309020205020404" pitchFamily="49" charset="0"/>
               </a:rPr>
-              <a:t> = new string[6</a:t>
-            </a:r>
-            <a:r>
-              <a:rPr lang="en-US" sz="2000" dirty="0" smtClean="0">
-                <a:latin typeface="Courier New" panose="02070309020205020404" pitchFamily="49" charset="0"/>
-                <a:cs typeface="Courier New" panose="02070309020205020404" pitchFamily="49" charset="0"/>
-              </a:rPr>
-              <a:t>];</a:t>
+              <a:t> = new string[6];</a:t>
             </a:r>
           </a:p>
           <a:p>
@@ -10950,58 +10778,59 @@
               <a:buNone/>
             </a:pPr>
             <a:r>
-              <a:rPr lang="en-US" sz="2000" b="1" dirty="0" err="1" smtClean="0">
+              <a:rPr lang="en-US" sz="2000" b="1" dirty="0" err="1">
                 <a:latin typeface="+mn-lt"/>
               </a:rPr>
               <a:t>Int</a:t>
             </a:r>
             <a:r>
-              <a:rPr lang="en-US" sz="2000" b="1" dirty="0" smtClean="0">
+              <a:rPr lang="en-US" sz="2000" b="1" dirty="0">
                 <a:latin typeface="+mn-lt"/>
               </a:rPr>
               <a:t> Array values</a:t>
             </a:r>
             <a:r>
               <a:rPr lang="en-US" sz="2000" b="1" i="1" dirty="0"/>
-              <a:t>	</a:t>
-            </a:r>
-            <a:r>
-              <a:rPr lang="en-US" sz="2000" b="1" i="1" dirty="0" smtClean="0"/>
+              <a:t>			</a:t>
+            </a:r>
+            <a:r>
+              <a:rPr lang="en-US" sz="2000" dirty="0">
+                <a:latin typeface="Courier New" panose="02070309020205020404" pitchFamily="49" charset="0"/>
+                <a:cs typeface="Courier New" panose="02070309020205020404" pitchFamily="49" charset="0"/>
+              </a:rPr>
+              <a:t>{0,0,0,0,0}</a:t>
+            </a:r>
+          </a:p>
+          <a:p>
+            <a:pPr marL="203200" indent="0">
+              <a:buNone/>
+            </a:pPr>
+            <a:r>
+              <a:rPr lang="en-US" sz="2000" b="1" dirty="0">
+                <a:latin typeface="+mn-lt"/>
+                <a:cs typeface="Courier New" panose="02070309020205020404" pitchFamily="49" charset="0"/>
+              </a:rPr>
+              <a:t>String Array values</a:t>
+            </a:r>
+            <a:r>
+              <a:rPr lang="en-US" sz="2000" dirty="0">
+                <a:latin typeface="+mn-lt"/>
+                <a:cs typeface="Courier New" panose="02070309020205020404" pitchFamily="49" charset="0"/>
+              </a:rPr>
               <a:t>		</a:t>
             </a:r>
             <a:r>
-              <a:rPr lang="en-US" sz="2000" dirty="0" smtClean="0">
+              <a:rPr lang="en-US" sz="2000" dirty="0">
                 <a:latin typeface="Courier New" panose="02070309020205020404" pitchFamily="49" charset="0"/>
                 <a:cs typeface="Courier New" panose="02070309020205020404" pitchFamily="49" charset="0"/>
               </a:rPr>
-              <a:t>{0,0,0,0,0}</a:t>
+              <a:t>{“”, “”, “”, “”, “”, “”,}</a:t>
             </a:r>
           </a:p>
           <a:p>
             <a:pPr marL="203200" indent="0">
               <a:buNone/>
             </a:pPr>
-            <a:r>
-              <a:rPr lang="en-US" sz="2000" b="1" dirty="0" smtClean="0">
-                <a:latin typeface="+mn-lt"/>
-                <a:cs typeface="Courier New" panose="02070309020205020404" pitchFamily="49" charset="0"/>
-              </a:rPr>
-              <a:t>String Array values</a:t>
-            </a:r>
-            <a:r>
-              <a:rPr lang="en-US" sz="2000" dirty="0" smtClean="0">
-                <a:latin typeface="+mn-lt"/>
-                <a:cs typeface="Courier New" panose="02070309020205020404" pitchFamily="49" charset="0"/>
-              </a:rPr>
-              <a:t>		</a:t>
-            </a:r>
-            <a:r>
-              <a:rPr lang="en-US" sz="2000" dirty="0" smtClean="0">
-                <a:latin typeface="Courier New" panose="02070309020205020404" pitchFamily="49" charset="0"/>
-                <a:cs typeface="Courier New" panose="02070309020205020404" pitchFamily="49" charset="0"/>
-              </a:rPr>
-              <a:t>{“”, “”, “”, “”, “”, “”,}</a:t>
-            </a:r>
             <a:endParaRPr lang="en-US" sz="2000" dirty="0">
               <a:latin typeface="Courier New" panose="02070309020205020404" pitchFamily="49" charset="0"/>
               <a:cs typeface="Courier New" panose="02070309020205020404" pitchFamily="49" charset="0"/>
@@ -11011,16 +10840,7 @@
             <a:pPr marL="203200" indent="0">
               <a:buNone/>
             </a:pPr>
-            <a:endParaRPr lang="en-US" sz="2000" dirty="0" smtClean="0">
-              <a:latin typeface="Courier New" panose="02070309020205020404" pitchFamily="49" charset="0"/>
-              <a:cs typeface="Courier New" panose="02070309020205020404" pitchFamily="49" charset="0"/>
-            </a:endParaRPr>
-          </a:p>
-          <a:p>
-            <a:pPr marL="203200" indent="0">
-              <a:buNone/>
-            </a:pPr>
-            <a:endParaRPr lang="en-US" sz="2000" dirty="0" smtClean="0"/>
+            <a:endParaRPr lang="en-US" sz="2000" dirty="0"/>
           </a:p>
         </p:txBody>
       </p:sp>
@@ -11053,321 +10873,6 @@
   <p:clrMapOvr>
     <a:masterClrMapping/>
   </p:clrMapOvr>
-  <p:timing>
-    <p:tnLst>
-      <p:par>
-        <p:cTn id="1" dur="indefinite" restart="never" nodeType="tmRoot"/>
-      </p:par>
-    </p:tnLst>
-  </p:timing>
-</p:sld>
-</file>
-
-<file path=ppt/slides/slide13.xml><?xml version="1.0" encoding="utf-8"?>
-<p:sld xmlns:a="http://schemas.openxmlformats.org/drawingml/2006/main" xmlns:r="http://schemas.openxmlformats.org/officeDocument/2006/relationships" xmlns:p="http://schemas.openxmlformats.org/presentationml/2006/main">
-  <p:cSld>
-    <p:spTree>
-      <p:nvGrpSpPr>
-        <p:cNvPr id="1" name=""/>
-        <p:cNvGrpSpPr/>
-        <p:nvPr/>
-      </p:nvGrpSpPr>
-      <p:grpSpPr>
-        <a:xfrm>
-          <a:off x="0" y="0"/>
-          <a:ext cx="0" cy="0"/>
-          <a:chOff x="0" y="0"/>
-          <a:chExt cx="0" cy="0"/>
-        </a:xfrm>
-      </p:grpSpPr>
-      <p:sp>
-        <p:nvSpPr>
-          <p:cNvPr id="2" name="Title 1"/>
-          <p:cNvSpPr>
-            <a:spLocks noGrp="1"/>
-          </p:cNvSpPr>
-          <p:nvPr>
-            <p:ph type="title"/>
-          </p:nvPr>
-        </p:nvSpPr>
-        <p:spPr/>
-        <p:txBody>
-          <a:bodyPr/>
-          <a:lstStyle/>
-          <a:p>
-            <a:r>
-              <a:rPr lang="en-US" dirty="0" smtClean="0"/>
-              <a:t>Arrays Initialization Examples</a:t>
-            </a:r>
-            <a:endParaRPr lang="en-US" dirty="0"/>
-          </a:p>
-        </p:txBody>
-      </p:sp>
-      <p:sp>
-        <p:nvSpPr>
-          <p:cNvPr id="3" name="Text Placeholder 2"/>
-          <p:cNvSpPr>
-            <a:spLocks noGrp="1"/>
-          </p:cNvSpPr>
-          <p:nvPr>
-            <p:ph type="body" idx="1"/>
-          </p:nvPr>
-        </p:nvSpPr>
-        <p:spPr/>
-        <p:txBody>
-          <a:bodyPr>
-            <a:noAutofit/>
-          </a:bodyPr>
-          <a:lstStyle/>
-          <a:p>
-            <a:pPr marL="203200" indent="0">
-              <a:buNone/>
-            </a:pPr>
-            <a:r>
-              <a:rPr lang="en-US" sz="2000" b="1" i="1" dirty="0">
-                <a:latin typeface="+mn-lt"/>
-              </a:rPr>
-              <a:t>Initiation with </a:t>
-            </a:r>
-            <a:r>
-              <a:rPr lang="en-US" sz="2000" b="1" i="1" dirty="0" smtClean="0">
-                <a:latin typeface="+mn-lt"/>
-              </a:rPr>
-              <a:t>default values</a:t>
-            </a:r>
-            <a:endParaRPr lang="en-US" sz="2000" b="1" i="1" dirty="0">
-              <a:latin typeface="+mn-lt"/>
-            </a:endParaRPr>
-          </a:p>
-          <a:p>
-            <a:pPr marL="203200" indent="0">
-              <a:buNone/>
-            </a:pPr>
-            <a:r>
-              <a:rPr lang="en-US" sz="2000" dirty="0" smtClean="0">
-                <a:latin typeface="Courier New" panose="02070309020205020404" pitchFamily="49" charset="0"/>
-                <a:cs typeface="Courier New" panose="02070309020205020404" pitchFamily="49" charset="0"/>
-              </a:rPr>
-              <a:t>		</a:t>
-            </a:r>
-            <a:r>
-              <a:rPr lang="en-US" sz="2000" dirty="0" err="1" smtClean="0">
-                <a:latin typeface="Courier New" panose="02070309020205020404" pitchFamily="49" charset="0"/>
-                <a:cs typeface="Courier New" panose="02070309020205020404" pitchFamily="49" charset="0"/>
-              </a:rPr>
-              <a:t>int</a:t>
-            </a:r>
-            <a:r>
-              <a:rPr lang="en-US" sz="2000" dirty="0">
-                <a:latin typeface="Courier New" panose="02070309020205020404" pitchFamily="49" charset="0"/>
-                <a:cs typeface="Courier New" panose="02070309020205020404" pitchFamily="49" charset="0"/>
-              </a:rPr>
-              <a:t>[] </a:t>
-            </a:r>
-            <a:r>
-              <a:rPr lang="en-US" sz="2000" dirty="0" err="1" smtClean="0">
-                <a:latin typeface="Courier New" panose="02070309020205020404" pitchFamily="49" charset="0"/>
-                <a:cs typeface="Courier New" panose="02070309020205020404" pitchFamily="49" charset="0"/>
-              </a:rPr>
-              <a:t>intArray</a:t>
-            </a:r>
-            <a:r>
-              <a:rPr lang="en-US" sz="2000" dirty="0" smtClean="0">
-                <a:latin typeface="Courier New" panose="02070309020205020404" pitchFamily="49" charset="0"/>
-                <a:cs typeface="Courier New" panose="02070309020205020404" pitchFamily="49" charset="0"/>
-              </a:rPr>
-              <a:t> </a:t>
-            </a:r>
-            <a:r>
-              <a:rPr lang="en-US" sz="2000" dirty="0">
-                <a:latin typeface="Courier New" panose="02070309020205020404" pitchFamily="49" charset="0"/>
-                <a:cs typeface="Courier New" panose="02070309020205020404" pitchFamily="49" charset="0"/>
-              </a:rPr>
-              <a:t>= new </a:t>
-            </a:r>
-            <a:r>
-              <a:rPr lang="en-US" sz="2000" dirty="0" err="1">
-                <a:latin typeface="Courier New" panose="02070309020205020404" pitchFamily="49" charset="0"/>
-                <a:cs typeface="Courier New" panose="02070309020205020404" pitchFamily="49" charset="0"/>
-              </a:rPr>
-              <a:t>int</a:t>
-            </a:r>
-            <a:r>
-              <a:rPr lang="en-US" sz="2000" dirty="0">
-                <a:latin typeface="Courier New" panose="02070309020205020404" pitchFamily="49" charset="0"/>
-                <a:cs typeface="Courier New" panose="02070309020205020404" pitchFamily="49" charset="0"/>
-              </a:rPr>
-              <a:t>[5]; </a:t>
-            </a:r>
-            <a:endParaRPr lang="en-US" sz="2000" dirty="0" smtClean="0">
-              <a:latin typeface="Courier New" panose="02070309020205020404" pitchFamily="49" charset="0"/>
-              <a:cs typeface="Courier New" panose="02070309020205020404" pitchFamily="49" charset="0"/>
-            </a:endParaRPr>
-          </a:p>
-          <a:p>
-            <a:pPr marL="203200" indent="0">
-              <a:buNone/>
-            </a:pPr>
-            <a:r>
-              <a:rPr lang="en-US" sz="2000" dirty="0" smtClean="0">
-                <a:latin typeface="Courier New" panose="02070309020205020404" pitchFamily="49" charset="0"/>
-                <a:cs typeface="Courier New" panose="02070309020205020404" pitchFamily="49" charset="0"/>
-              </a:rPr>
-              <a:t>		string</a:t>
-            </a:r>
-            <a:r>
-              <a:rPr lang="en-US" sz="2000" dirty="0">
-                <a:latin typeface="Courier New" panose="02070309020205020404" pitchFamily="49" charset="0"/>
-                <a:cs typeface="Courier New" panose="02070309020205020404" pitchFamily="49" charset="0"/>
-              </a:rPr>
-              <a:t>[] </a:t>
-            </a:r>
-            <a:r>
-              <a:rPr lang="en-US" sz="2000" dirty="0" err="1">
-                <a:latin typeface="Courier New" panose="02070309020205020404" pitchFamily="49" charset="0"/>
-                <a:cs typeface="Courier New" panose="02070309020205020404" pitchFamily="49" charset="0"/>
-              </a:rPr>
-              <a:t>stringArray</a:t>
-            </a:r>
-            <a:r>
-              <a:rPr lang="en-US" sz="2000" dirty="0">
-                <a:latin typeface="Courier New" panose="02070309020205020404" pitchFamily="49" charset="0"/>
-                <a:cs typeface="Courier New" panose="02070309020205020404" pitchFamily="49" charset="0"/>
-              </a:rPr>
-              <a:t> = new string[6</a:t>
-            </a:r>
-            <a:r>
-              <a:rPr lang="en-US" sz="2000" dirty="0" smtClean="0">
-                <a:latin typeface="Courier New" panose="02070309020205020404" pitchFamily="49" charset="0"/>
-                <a:cs typeface="Courier New" panose="02070309020205020404" pitchFamily="49" charset="0"/>
-              </a:rPr>
-              <a:t>];</a:t>
-            </a:r>
-          </a:p>
-          <a:p>
-            <a:pPr marL="203200" indent="0">
-              <a:buNone/>
-            </a:pPr>
-            <a:endParaRPr lang="en-US" sz="2000" dirty="0">
-              <a:latin typeface="Courier New" panose="02070309020205020404" pitchFamily="49" charset="0"/>
-              <a:cs typeface="Courier New" panose="02070309020205020404" pitchFamily="49" charset="0"/>
-            </a:endParaRPr>
-          </a:p>
-          <a:p>
-            <a:pPr marL="203200" indent="0">
-              <a:buNone/>
-            </a:pPr>
-            <a:r>
-              <a:rPr lang="en-US" sz="2000" b="1" dirty="0" err="1" smtClean="0">
-                <a:latin typeface="+mn-lt"/>
-              </a:rPr>
-              <a:t>Int</a:t>
-            </a:r>
-            <a:r>
-              <a:rPr lang="en-US" sz="2000" b="1" dirty="0" smtClean="0">
-                <a:latin typeface="+mn-lt"/>
-              </a:rPr>
-              <a:t> Array values</a:t>
-            </a:r>
-            <a:r>
-              <a:rPr lang="en-US" sz="2000" b="1" i="1" dirty="0"/>
-              <a:t>	</a:t>
-            </a:r>
-            <a:r>
-              <a:rPr lang="en-US" sz="2000" b="1" i="1" dirty="0" smtClean="0"/>
-              <a:t>		</a:t>
-            </a:r>
-            <a:r>
-              <a:rPr lang="en-US" sz="2000" dirty="0" smtClean="0">
-                <a:latin typeface="Courier New" panose="02070309020205020404" pitchFamily="49" charset="0"/>
-                <a:cs typeface="Courier New" panose="02070309020205020404" pitchFamily="49" charset="0"/>
-              </a:rPr>
-              <a:t>{0,0,0,0,0}</a:t>
-            </a:r>
-          </a:p>
-          <a:p>
-            <a:pPr marL="203200" indent="0">
-              <a:buNone/>
-            </a:pPr>
-            <a:r>
-              <a:rPr lang="en-US" sz="2000" b="1" dirty="0" smtClean="0">
-                <a:latin typeface="+mn-lt"/>
-                <a:cs typeface="Courier New" panose="02070309020205020404" pitchFamily="49" charset="0"/>
-              </a:rPr>
-              <a:t>String Array values</a:t>
-            </a:r>
-            <a:r>
-              <a:rPr lang="en-US" sz="2000" dirty="0" smtClean="0">
-                <a:latin typeface="+mn-lt"/>
-                <a:cs typeface="Courier New" panose="02070309020205020404" pitchFamily="49" charset="0"/>
-              </a:rPr>
-              <a:t>		</a:t>
-            </a:r>
-            <a:r>
-              <a:rPr lang="en-US" sz="2000" dirty="0" smtClean="0">
-                <a:latin typeface="Courier New" panose="02070309020205020404" pitchFamily="49" charset="0"/>
-                <a:cs typeface="Courier New" panose="02070309020205020404" pitchFamily="49" charset="0"/>
-              </a:rPr>
-              <a:t>{“”, “”, “”, “”, “”, “”,}</a:t>
-            </a:r>
-            <a:endParaRPr lang="en-US" sz="2000" dirty="0">
-              <a:latin typeface="Courier New" panose="02070309020205020404" pitchFamily="49" charset="0"/>
-              <a:cs typeface="Courier New" panose="02070309020205020404" pitchFamily="49" charset="0"/>
-            </a:endParaRPr>
-          </a:p>
-          <a:p>
-            <a:pPr marL="203200" indent="0">
-              <a:buNone/>
-            </a:pPr>
-            <a:endParaRPr lang="en-US" sz="2000" dirty="0" smtClean="0">
-              <a:latin typeface="Courier New" panose="02070309020205020404" pitchFamily="49" charset="0"/>
-              <a:cs typeface="Courier New" panose="02070309020205020404" pitchFamily="49" charset="0"/>
-            </a:endParaRPr>
-          </a:p>
-          <a:p>
-            <a:pPr marL="203200" indent="0">
-              <a:buNone/>
-            </a:pPr>
-            <a:endParaRPr lang="en-US" sz="2000" dirty="0" smtClean="0"/>
-          </a:p>
-        </p:txBody>
-      </p:sp>
-      <p:sp>
-        <p:nvSpPr>
-          <p:cNvPr id="4" name="Text Placeholder 3"/>
-          <p:cNvSpPr>
-            <a:spLocks noGrp="1"/>
-          </p:cNvSpPr>
-          <p:nvPr>
-            <p:ph type="body" idx="2"/>
-          </p:nvPr>
-        </p:nvSpPr>
-        <p:spPr/>
-        <p:txBody>
-          <a:bodyPr/>
-          <a:lstStyle/>
-          <a:p>
-            <a:endParaRPr lang="en-US" dirty="0"/>
-          </a:p>
-        </p:txBody>
-      </p:sp>
-    </p:spTree>
-    <p:extLst>
-      <p:ext uri="{BB962C8B-B14F-4D97-AF65-F5344CB8AC3E}">
-        <p14:creationId xmlns:p14="http://schemas.microsoft.com/office/powerpoint/2010/main" val="948810999"/>
-      </p:ext>
-    </p:extLst>
-  </p:cSld>
-  <p:clrMapOvr>
-    <a:masterClrMapping/>
-  </p:clrMapOvr>
-  <p:timing>
-    <p:tnLst>
-      <p:par>
-        <p:cTn id="1" dur="indefinite" restart="never" nodeType="tmRoot"/>
-      </p:par>
-    </p:tnLst>
-  </p:timing>
 </p:sld>
 </file>
 
@@ -11404,10 +10909,9 @@
           <a:lstStyle/>
           <a:p>
             <a:r>
-              <a:rPr lang="en-US" dirty="0" smtClean="0"/>
+              <a:rPr lang="en-US" dirty="0"/>
               <a:t>Containers</a:t>
             </a:r>
-            <a:endParaRPr lang="en-US" dirty="0"/>
           </a:p>
         </p:txBody>
       </p:sp>
@@ -11432,23 +10936,19 @@
               <a:buNone/>
             </a:pPr>
             <a:r>
-              <a:rPr lang="en-US" sz="2000" b="1" dirty="0" smtClean="0">
+              <a:rPr lang="en-US" sz="2000" b="1" dirty="0">
                 <a:latin typeface="+mn-lt"/>
                 <a:cs typeface="Courier New" panose="02070309020205020404" pitchFamily="49" charset="0"/>
               </a:rPr>
               <a:t>Containers is the generic term for an object and\or data structure that holds multiple values or reference of a specific type. </a:t>
             </a:r>
-            <a:endParaRPr lang="en-US" sz="2000" b="1" dirty="0">
-              <a:latin typeface="+mn-lt"/>
-              <a:cs typeface="Courier New" panose="02070309020205020404" pitchFamily="49" charset="0"/>
-            </a:endParaRPr>
           </a:p>
           <a:p>
             <a:pPr marL="203200" indent="0">
               <a:buNone/>
             </a:pPr>
             <a:r>
-              <a:rPr lang="en-US" sz="2000" b="1" dirty="0" smtClean="0">
+              <a:rPr lang="en-US" sz="2000" b="1" dirty="0">
                 <a:latin typeface="+mn-lt"/>
                 <a:cs typeface="Courier New" panose="02070309020205020404" pitchFamily="49" charset="0"/>
               </a:rPr>
@@ -11460,7 +10960,7 @@
               <a:buNone/>
             </a:pPr>
             <a:r>
-              <a:rPr lang="en-US" sz="4400" b="1" dirty="0" smtClean="0">
+              <a:rPr lang="en-US" sz="4400" b="1" dirty="0">
                 <a:latin typeface="+mn-lt"/>
                 <a:cs typeface="Courier New" panose="02070309020205020404" pitchFamily="49" charset="0"/>
               </a:rPr>
@@ -11472,7 +10972,7 @@
               <a:buNone/>
             </a:pPr>
             <a:r>
-              <a:rPr lang="en-US" sz="4400" b="1" dirty="0" smtClean="0">
+              <a:rPr lang="en-US" sz="4400" b="1" dirty="0">
                 <a:latin typeface="+mn-lt"/>
                 <a:cs typeface="Courier New" panose="02070309020205020404" pitchFamily="49" charset="0"/>
               </a:rPr>
@@ -11510,13 +11010,6 @@
   <p:clrMapOvr>
     <a:masterClrMapping/>
   </p:clrMapOvr>
-  <p:timing>
-    <p:tnLst>
-      <p:par>
-        <p:cTn id="1" dur="indefinite" restart="never" nodeType="tmRoot"/>
-      </p:par>
-    </p:tnLst>
-  </p:timing>
 </p:sld>
 </file>
 
@@ -11553,10 +11046,9 @@
           <a:lstStyle/>
           <a:p>
             <a:r>
-              <a:rPr lang="en-US" dirty="0" smtClean="0"/>
+              <a:rPr lang="en-US" dirty="0"/>
               <a:t>Arrays</a:t>
             </a:r>
-            <a:endParaRPr lang="en-US" dirty="0"/>
           </a:p>
         </p:txBody>
       </p:sp>
@@ -11582,39 +11074,11 @@
               <a:buChar char="•"/>
             </a:pPr>
             <a:r>
-              <a:rPr lang="en-US" sz="1800" b="1" dirty="0" smtClean="0">
-                <a:latin typeface="+mn-lt"/>
-                <a:cs typeface="Courier New" panose="02070309020205020404" pitchFamily="49" charset="0"/>
-              </a:rPr>
-              <a:t>To </a:t>
-            </a:r>
-            <a:r>
-              <a:rPr lang="en-US" sz="1800" b="1" dirty="0" smtClean="0">
-                <a:latin typeface="+mn-lt"/>
-                <a:cs typeface="Courier New" panose="02070309020205020404" pitchFamily="49" charset="0"/>
-              </a:rPr>
-              <a:t>declare </a:t>
-            </a:r>
-            <a:r>
               <a:rPr lang="en-US" sz="1800" b="1" dirty="0">
                 <a:latin typeface="+mn-lt"/>
                 <a:cs typeface="Courier New" panose="02070309020205020404" pitchFamily="49" charset="0"/>
               </a:rPr>
-              <a:t>an </a:t>
-            </a:r>
-            <a:r>
-              <a:rPr lang="en-US" sz="1800" b="1" dirty="0" smtClean="0">
-                <a:latin typeface="+mn-lt"/>
-                <a:cs typeface="Courier New" panose="02070309020205020404" pitchFamily="49" charset="0"/>
-              </a:rPr>
-              <a:t>array</a:t>
-            </a:r>
-            <a:r>
-              <a:rPr lang="en-US" sz="1800" b="1" dirty="0">
-                <a:latin typeface="+mn-lt"/>
-                <a:cs typeface="Courier New" panose="02070309020205020404" pitchFamily="49" charset="0"/>
-              </a:rPr>
-              <a:t>: </a:t>
+              <a:t>To declare an array: </a:t>
             </a:r>
           </a:p>
           <a:p>
@@ -11646,7 +11110,7 @@
               <a:t>arrayName</a:t>
             </a:r>
             <a:r>
-              <a:rPr lang="en-US" sz="1800" dirty="0" smtClean="0">
+              <a:rPr lang="en-US" sz="1800" dirty="0">
                 <a:latin typeface="Courier New" panose="02070309020205020404" pitchFamily="49" charset="0"/>
                 <a:cs typeface="Courier New" panose="02070309020205020404" pitchFamily="49" charset="0"/>
               </a:rPr>
@@ -11672,42 +11136,14 @@
                 <a:latin typeface="+mn-lt"/>
                 <a:cs typeface="Courier New" panose="02070309020205020404" pitchFamily="49" charset="0"/>
               </a:rPr>
-              <a:t>Arrays are </a:t>
-            </a:r>
-            <a:r>
-              <a:rPr lang="en-US" sz="1800" dirty="0" smtClean="0">
-                <a:latin typeface="+mn-lt"/>
-                <a:cs typeface="Courier New" panose="02070309020205020404" pitchFamily="49" charset="0"/>
-              </a:rPr>
-              <a:t>containers </a:t>
-            </a:r>
-            <a:r>
-              <a:rPr lang="en-US" sz="1800" dirty="0">
-                <a:latin typeface="+mn-lt"/>
-                <a:cs typeface="Courier New" panose="02070309020205020404" pitchFamily="49" charset="0"/>
-              </a:rPr>
-              <a:t>of a </a:t>
-            </a:r>
-            <a:r>
-              <a:rPr lang="en-US" sz="1800" dirty="0" smtClean="0">
-                <a:latin typeface="+mn-lt"/>
-                <a:cs typeface="Courier New" panose="02070309020205020404" pitchFamily="49" charset="0"/>
-              </a:rPr>
-              <a:t> </a:t>
-            </a:r>
-            <a:r>
-              <a:rPr lang="en-US" b="1" dirty="0" smtClean="0">
-                <a:latin typeface="+mn-lt"/>
-                <a:cs typeface="Courier New" panose="02070309020205020404" pitchFamily="49" charset="0"/>
-              </a:rPr>
-              <a:t>fixed </a:t>
+              <a:t>Arrays are containers of a  </a:t>
             </a:r>
             <a:r>
               <a:rPr lang="en-US" b="1" dirty="0">
                 <a:latin typeface="+mn-lt"/>
                 <a:cs typeface="Courier New" panose="02070309020205020404" pitchFamily="49" charset="0"/>
               </a:rPr>
-              <a:t>size</a:t>
+              <a:t>fixed size</a:t>
             </a:r>
             <a:r>
               <a:rPr lang="en-US" sz="1800" dirty="0">
@@ -11727,7 +11163,14 @@
                 <a:latin typeface="+mn-lt"/>
                 <a:cs typeface="Courier New" panose="02070309020205020404" pitchFamily="49" charset="0"/>
               </a:rPr>
-              <a:t>The size of an array is called its length</a:t>
+              <a:t>The size of an array is called its </a:t>
+            </a:r>
+            <a:r>
+              <a:rPr lang="en-US" b="1" dirty="0">
+                <a:latin typeface="+mn-lt"/>
+                <a:cs typeface="Courier New" panose="02070309020205020404" pitchFamily="49" charset="0"/>
+              </a:rPr>
+              <a:t>length</a:t>
             </a:r>
           </a:p>
           <a:p>
@@ -11781,10 +11224,6 @@
               </a:rPr>
               <a:t>The Array will be initialized with null in all array locations.</a:t>
             </a:r>
-            <a:endParaRPr lang="en-US" sz="1800" dirty="0">
-              <a:latin typeface="+mn-lt"/>
-              <a:cs typeface="Courier New" panose="02070309020205020404" pitchFamily="49" charset="0"/>
-            </a:endParaRPr>
           </a:p>
         </p:txBody>
       </p:sp>
@@ -11817,13 +11256,6 @@
   <p:clrMapOvr>
     <a:masterClrMapping/>
   </p:clrMapOvr>
-  <p:timing>
-    <p:tnLst>
-      <p:par>
-        <p:cTn id="1" dur="indefinite" restart="never" nodeType="tmRoot"/>
-      </p:par>
-    </p:tnLst>
-  </p:timing>
 </p:sld>
 </file>
 
@@ -11860,10 +11292,9 @@
           <a:lstStyle/>
           <a:p>
             <a:r>
-              <a:rPr lang="en-US" dirty="0" smtClean="0"/>
+              <a:rPr lang="en-US" dirty="0"/>
               <a:t>Lists</a:t>
             </a:r>
-            <a:endParaRPr lang="en-US" dirty="0"/>
           </a:p>
         </p:txBody>
       </p:sp>
@@ -11889,30 +11320,12 @@
               <a:buChar char="•"/>
             </a:pPr>
             <a:r>
-              <a:rPr lang="en-US" sz="1800" b="1" dirty="0" smtClean="0">
+              <a:rPr lang="en-US" sz="1800" b="1" dirty="0">
                 <a:latin typeface="+mn-lt"/>
                 <a:cs typeface="Courier New" panose="02070309020205020404" pitchFamily="49" charset="0"/>
               </a:rPr>
-              <a:t>To </a:t>
-            </a:r>
-            <a:r>
-              <a:rPr lang="en-US" sz="1800" b="1" dirty="0" smtClean="0">
-                <a:latin typeface="+mn-lt"/>
-                <a:cs typeface="Courier New" panose="02070309020205020404" pitchFamily="49" charset="0"/>
-              </a:rPr>
-              <a:t>declare </a:t>
-            </a:r>
-            <a:r>
-              <a:rPr lang="en-US" sz="1800" b="1" dirty="0" smtClean="0">
-                <a:latin typeface="+mn-lt"/>
-                <a:cs typeface="Courier New" panose="02070309020205020404" pitchFamily="49" charset="0"/>
-              </a:rPr>
-              <a:t>a list: </a:t>
-            </a:r>
-            <a:endParaRPr lang="en-US" sz="1800" b="1" dirty="0">
-              <a:latin typeface="+mn-lt"/>
-              <a:cs typeface="Courier New" panose="02070309020205020404" pitchFamily="49" charset="0"/>
-            </a:endParaRPr>
+              <a:t>To declare a list: </a:t>
+            </a:r>
           </a:p>
           <a:p>
             <a:pPr marL="203200" indent="0">
@@ -11929,21 +11342,21 @@
               <a:t>	</a:t>
             </a:r>
             <a:r>
-              <a:rPr lang="en-US" sz="1800" dirty="0" smtClean="0">
+              <a:rPr lang="en-US" sz="1800" dirty="0">
                 <a:latin typeface="Courier New" panose="02070309020205020404" pitchFamily="49" charset="0"/>
                 <a:cs typeface="Courier New" panose="02070309020205020404" pitchFamily="49" charset="0"/>
               </a:rPr>
               <a:t>List&lt;type&gt; </a:t>
             </a:r>
             <a:r>
-              <a:rPr lang="en-US" sz="1800" dirty="0" err="1" smtClean="0">
+              <a:rPr lang="en-US" sz="1800" dirty="0" err="1">
                 <a:latin typeface="Courier New" panose="02070309020205020404" pitchFamily="49" charset="0"/>
                 <a:cs typeface="Courier New" panose="02070309020205020404" pitchFamily="49" charset="0"/>
               </a:rPr>
               <a:t>listName</a:t>
             </a:r>
             <a:r>
-              <a:rPr lang="en-US" sz="1800" dirty="0" smtClean="0">
+              <a:rPr lang="en-US" sz="1800" dirty="0">
                 <a:latin typeface="Courier New" panose="02070309020205020404" pitchFamily="49" charset="0"/>
                 <a:cs typeface="Courier New" panose="02070309020205020404" pitchFamily="49" charset="0"/>
               </a:rPr>
@@ -11969,14 +11382,7 @@
                 <a:latin typeface="+mn-lt"/>
                 <a:cs typeface="Courier New" panose="02070309020205020404" pitchFamily="49" charset="0"/>
               </a:rPr>
-              <a:t>Lists are constrainers of </a:t>
-            </a:r>
-            <a:r>
-              <a:rPr lang="en-US" sz="1800" dirty="0" smtClean="0">
-                <a:latin typeface="+mn-lt"/>
-                <a:cs typeface="Courier New" panose="02070309020205020404" pitchFamily="49" charset="0"/>
-              </a:rPr>
-              <a:t>a  </a:t>
+              <a:t>Lists are constrainers of a  </a:t>
             </a:r>
             <a:r>
               <a:rPr lang="en-US" b="1" dirty="0">
@@ -11992,10 +11398,6 @@
               </a:rPr>
               <a:t>. </a:t>
             </a:r>
-            <a:endParaRPr lang="en-US" sz="1800" dirty="0" smtClean="0">
-              <a:latin typeface="+mn-lt"/>
-              <a:cs typeface="Courier New" panose="02070309020205020404" pitchFamily="49" charset="0"/>
-            </a:endParaRPr>
           </a:p>
           <a:p>
             <a:pPr>
@@ -12003,16 +11405,12 @@
               <a:buChar char="•"/>
             </a:pPr>
             <a:r>
-              <a:rPr lang="en-US" sz="1800" dirty="0" smtClean="0">
+              <a:rPr lang="en-US" sz="1800" dirty="0">
                 <a:latin typeface="+mn-lt"/>
                 <a:cs typeface="Courier New" panose="02070309020205020404" pitchFamily="49" charset="0"/>
               </a:rPr>
               <a:t>Can Easily Add, Remove, and Clear them. </a:t>
             </a:r>
-            <a:endParaRPr lang="en-US" sz="1800" dirty="0">
-              <a:latin typeface="+mn-lt"/>
-              <a:cs typeface="Courier New" panose="02070309020205020404" pitchFamily="49" charset="0"/>
-            </a:endParaRPr>
           </a:p>
           <a:p>
             <a:pPr>
@@ -12027,7 +11425,7 @@
               <a:t>The size of a list is called its </a:t>
             </a:r>
             <a:r>
-              <a:rPr lang="en-US" sz="1800" dirty="0" smtClean="0">
+              <a:rPr lang="en-US" b="1" dirty="0">
                 <a:latin typeface="+mn-lt"/>
                 <a:cs typeface="Courier New" panose="02070309020205020404" pitchFamily="49" charset="0"/>
               </a:rPr>
@@ -12040,16 +11438,12 @@
               <a:buChar char="•"/>
             </a:pPr>
             <a:r>
-              <a:rPr lang="en-US" sz="1800" dirty="0" smtClean="0">
+              <a:rPr lang="en-US" sz="1800" dirty="0">
                 <a:latin typeface="+mn-lt"/>
                 <a:cs typeface="Courier New" panose="02070309020205020404" pitchFamily="49" charset="0"/>
               </a:rPr>
               <a:t>By Default, a list starts with nothing in it. </a:t>
             </a:r>
-            <a:endParaRPr lang="en-US" sz="1800" dirty="0">
-              <a:latin typeface="+mn-lt"/>
-              <a:cs typeface="Courier New" panose="02070309020205020404" pitchFamily="49" charset="0"/>
-            </a:endParaRPr>
           </a:p>
           <a:p>
             <a:pPr marL="203200" indent="0">
@@ -12090,13 +11484,6 @@
   <p:clrMapOvr>
     <a:masterClrMapping/>
   </p:clrMapOvr>
-  <p:timing>
-    <p:tnLst>
-      <p:par>
-        <p:cTn id="1" dur="indefinite" restart="never" nodeType="tmRoot"/>
-      </p:par>
-    </p:tnLst>
-  </p:timing>
 </p:sld>
 </file>
 
@@ -12135,29 +11522,16 @@
           <a:lstStyle/>
           <a:p>
             <a:r>
-              <a:rPr lang="en-US" dirty="0" smtClean="0"/>
-              <a:t>Public Arrays </a:t>
-            </a:r>
-            <a:r>
               <a:rPr lang="en-US" dirty="0"/>
-              <a:t>and Lists </a:t>
+              <a:t>Public Arrays and Lists </a:t>
             </a:r>
             <a:br>
               <a:rPr lang="en-US" dirty="0"/>
             </a:br>
             <a:r>
               <a:rPr lang="en-US" sz="3600" i="1" dirty="0"/>
-              <a:t>Initialized </a:t>
-            </a:r>
-            <a:r>
-              <a:rPr lang="en-US" sz="3600" i="1" dirty="0" smtClean="0"/>
-              <a:t>in </a:t>
-            </a:r>
-            <a:r>
-              <a:rPr lang="en-US" sz="3600" i="1" dirty="0"/>
-              <a:t>the Unity Editor</a:t>
-            </a:r>
-            <a:endParaRPr lang="en-US" sz="3600" i="1" dirty="0"/>
+              <a:t>Initialized in the Unity Editor</a:t>
+            </a:r>
           </a:p>
         </p:txBody>
       </p:sp>
@@ -12183,34 +11557,10 @@
               <a:buChar char="•"/>
             </a:pPr>
             <a:r>
-              <a:rPr lang="en-US" sz="1800" b="1" dirty="0" smtClean="0">
-                <a:cs typeface="Courier New" panose="02070309020205020404" pitchFamily="49" charset="0"/>
-              </a:rPr>
-              <a:t>Any Array or </a:t>
-            </a:r>
-            <a:r>
-              <a:rPr lang="en-US" sz="1800" b="1" dirty="0" smtClean="0">
-                <a:cs typeface="Courier New" panose="02070309020205020404" pitchFamily="49" charset="0"/>
-              </a:rPr>
-              <a:t>List made </a:t>
-            </a:r>
-            <a:r>
               <a:rPr lang="en-US" sz="1800" b="1" dirty="0">
                 <a:cs typeface="Courier New" panose="02070309020205020404" pitchFamily="49" charset="0"/>
               </a:rPr>
-              <a:t>a</a:t>
-            </a:r>
-            <a:r>
-              <a:rPr lang="en-US" sz="1800" b="1" dirty="0" smtClean="0">
-                <a:cs typeface="Courier New" panose="02070309020205020404" pitchFamily="49" charset="0"/>
-              </a:rPr>
-              <a:t> public </a:t>
-            </a:r>
-            <a:r>
-              <a:rPr lang="en-US" sz="1800" b="1" dirty="0" smtClean="0">
-                <a:cs typeface="Courier New" panose="02070309020205020404" pitchFamily="49" charset="0"/>
-              </a:rPr>
-              <a:t>member of a class is editable in the editor</a:t>
+              <a:t>Any Array or List made a public member of a class is editable in the editor</a:t>
             </a:r>
           </a:p>
           <a:p>
@@ -12227,7 +11577,7 @@
               <a:buNone/>
             </a:pPr>
             <a:r>
-              <a:rPr lang="en-US" sz="2400" b="1" dirty="0" smtClean="0">
+              <a:rPr lang="en-US" sz="2400" b="1" dirty="0">
                 <a:latin typeface="Courier New" panose="02070309020205020404" pitchFamily="49" charset="0"/>
                 <a:cs typeface="Courier New" panose="02070309020205020404" pitchFamily="49" charset="0"/>
               </a:rPr>
@@ -12267,7 +11617,7 @@
               <a:buNone/>
             </a:pPr>
             <a:r>
-              <a:rPr lang="en-US" sz="2400" b="1" dirty="0" smtClean="0">
+              <a:rPr lang="en-US" sz="2400" b="1" dirty="0">
                 <a:latin typeface="Courier New" panose="02070309020205020404" pitchFamily="49" charset="0"/>
                 <a:cs typeface="Courier New" panose="02070309020205020404" pitchFamily="49" charset="0"/>
               </a:rPr>
@@ -12295,18 +11645,11 @@
               <a:t>GameObjectArray</a:t>
             </a:r>
             <a:r>
-              <a:rPr lang="en-US" sz="2400" b="1" dirty="0" smtClean="0">
-                <a:latin typeface="Courier New" panose="02070309020205020404" pitchFamily="49" charset="0"/>
-                <a:cs typeface="Courier New" panose="02070309020205020404" pitchFamily="49" charset="0"/>
-              </a:rPr>
-              <a:t>; public </a:t>
-            </a:r>
-            <a:r>
               <a:rPr lang="en-US" sz="2400" b="1" dirty="0">
                 <a:latin typeface="Courier New" panose="02070309020205020404" pitchFamily="49" charset="0"/>
                 <a:cs typeface="Courier New" panose="02070309020205020404" pitchFamily="49" charset="0"/>
               </a:rPr>
-              <a:t>List&lt;</a:t>
+              <a:t>; public List&lt;</a:t>
             </a:r>
             <a:r>
               <a:rPr lang="en-US" sz="2400" b="1" dirty="0" err="1">
@@ -12336,10 +11679,6 @@
               </a:rPr>
               <a:t>;</a:t>
             </a:r>
-            <a:endParaRPr lang="en-US" sz="2400" b="1" dirty="0">
-              <a:latin typeface="Courier New" panose="02070309020205020404" pitchFamily="49" charset="0"/>
-              <a:cs typeface="Courier New" panose="02070309020205020404" pitchFamily="49" charset="0"/>
-            </a:endParaRPr>
           </a:p>
         </p:txBody>
       </p:sp>
@@ -12372,13 +11711,6 @@
   <p:clrMapOvr>
     <a:masterClrMapping/>
   </p:clrMapOvr>
-  <p:timing>
-    <p:tnLst>
-      <p:par>
-        <p:cTn id="1" dur="indefinite" restart="never" nodeType="tmRoot"/>
-      </p:par>
-    </p:tnLst>
-  </p:timing>
 </p:sld>
 </file>
 
@@ -12547,13 +11879,6 @@
   <p:clrMapOvr>
     <a:masterClrMapping/>
   </p:clrMapOvr>
-  <p:timing>
-    <p:tnLst>
-      <p:par>
-        <p:cTn id="1" dur="indefinite" restart="never" nodeType="tmRoot"/>
-      </p:par>
-    </p:tnLst>
-  </p:timing>
 </p:sld>
 </file>
 
@@ -12592,7 +11917,7 @@
           <a:lstStyle/>
           <a:p>
             <a:r>
-              <a:rPr lang="en-US" dirty="0" smtClean="0"/>
+              <a:rPr lang="en-US" dirty="0"/>
               <a:t>Accessing Elements</a:t>
             </a:r>
             <a:endParaRPr lang="en-US" sz="3600" i="1" dirty="0"/>
@@ -12621,7 +11946,7 @@
               <a:buChar char="•"/>
             </a:pPr>
             <a:r>
-              <a:rPr lang="en-US" sz="1800" b="1" dirty="0" smtClean="0">
+              <a:rPr lang="en-US" sz="1800" b="1" dirty="0">
                 <a:cs typeface="Courier New" panose="02070309020205020404" pitchFamily="49" charset="0"/>
               </a:rPr>
               <a:t>An Element is a singular part of an Array of List. </a:t>
@@ -12633,7 +11958,7 @@
               <a:buChar char="•"/>
             </a:pPr>
             <a:r>
-              <a:rPr lang="en-US" sz="1800" b="1" dirty="0" smtClean="0">
+              <a:rPr lang="en-US" sz="1800" b="1" dirty="0">
                 <a:cs typeface="Courier New" panose="02070309020205020404" pitchFamily="49" charset="0"/>
               </a:rPr>
               <a:t>We use Array Notation using the hard brackets ‘[‘ and ‘]’ to access an element in an array or List. </a:t>
@@ -12644,14 +11969,14 @@
               <a:buNone/>
             </a:pPr>
             <a:r>
-              <a:rPr lang="en-US" sz="2400" dirty="0" err="1" smtClean="0">
+              <a:rPr lang="en-US" sz="2400" dirty="0" err="1">
                 <a:latin typeface="Courier New" panose="02070309020205020404" pitchFamily="49" charset="0"/>
                 <a:cs typeface="Courier New" panose="02070309020205020404" pitchFamily="49" charset="0"/>
               </a:rPr>
               <a:t>containerName</a:t>
             </a:r>
             <a:r>
-              <a:rPr lang="en-US" sz="2400" dirty="0" smtClean="0">
+              <a:rPr lang="en-US" sz="2400" dirty="0">
                 <a:latin typeface="Courier New" panose="02070309020205020404" pitchFamily="49" charset="0"/>
                 <a:cs typeface="Courier New" panose="02070309020205020404" pitchFamily="49" charset="0"/>
               </a:rPr>
@@ -12664,7 +11989,7 @@
               <a:buChar char="•"/>
             </a:pPr>
             <a:r>
-              <a:rPr lang="en-US" sz="1800" b="1" dirty="0" smtClean="0">
+              <a:rPr lang="en-US" sz="1800" b="1" dirty="0">
                 <a:cs typeface="Courier New" panose="02070309020205020404" pitchFamily="49" charset="0"/>
               </a:rPr>
               <a:t>We can get the information and set the information this was as you can with any other variable. </a:t>
@@ -12675,30 +12000,19 @@
               <a:buNone/>
             </a:pPr>
             <a:r>
-              <a:rPr lang="en-US" sz="2400" dirty="0" err="1" smtClean="0">
+              <a:rPr lang="en-US" sz="2400" dirty="0" err="1">
                 <a:latin typeface="Courier New" panose="02070309020205020404" pitchFamily="49" charset="0"/>
                 <a:cs typeface="Courier New" panose="02070309020205020404" pitchFamily="49" charset="0"/>
               </a:rPr>
               <a:t>containerName</a:t>
-            </a:r>
-            <a:r>
-              <a:rPr lang="en-US" sz="2400" dirty="0" smtClean="0">
-                <a:latin typeface="Courier New" panose="02070309020205020404" pitchFamily="49" charset="0"/>
-                <a:cs typeface="Courier New" panose="02070309020205020404" pitchFamily="49" charset="0"/>
-              </a:rPr>
-              <a:t>[index</a:t>
             </a:r>
             <a:r>
               <a:rPr lang="en-US" sz="2400" dirty="0">
                 <a:latin typeface="Courier New" panose="02070309020205020404" pitchFamily="49" charset="0"/>
                 <a:cs typeface="Courier New" panose="02070309020205020404" pitchFamily="49" charset="0"/>
               </a:rPr>
-              <a:t>] = value; </a:t>
-            </a:r>
-            <a:endParaRPr lang="en-US" sz="2400" dirty="0" smtClean="0">
-              <a:latin typeface="Courier New" panose="02070309020205020404" pitchFamily="49" charset="0"/>
-              <a:cs typeface="Courier New" panose="02070309020205020404" pitchFamily="49" charset="0"/>
-            </a:endParaRPr>
+              <a:t>[index] = value; </a:t>
+            </a:r>
           </a:p>
           <a:p>
             <a:pPr marL="203200" indent="0" algn="ctr">
@@ -12709,42 +12023,21 @@
                 <a:latin typeface="Courier New" panose="02070309020205020404" pitchFamily="49" charset="0"/>
                 <a:cs typeface="Courier New" panose="02070309020205020404" pitchFamily="49" charset="0"/>
               </a:rPr>
-              <a:t>v</a:t>
-            </a:r>
-            <a:r>
-              <a:rPr lang="en-US" sz="2400" dirty="0" smtClean="0">
+              <a:t>variable = </a:t>
+            </a:r>
+            <a:r>
+              <a:rPr lang="en-US" sz="2400" dirty="0" err="1">
                 <a:latin typeface="Courier New" panose="02070309020205020404" pitchFamily="49" charset="0"/>
                 <a:cs typeface="Courier New" panose="02070309020205020404" pitchFamily="49" charset="0"/>
               </a:rPr>
-              <a:t>ariable </a:t>
+              <a:t>containerName</a:t>
             </a:r>
             <a:r>
               <a:rPr lang="en-US" sz="2400" dirty="0">
                 <a:latin typeface="Courier New" panose="02070309020205020404" pitchFamily="49" charset="0"/>
                 <a:cs typeface="Courier New" panose="02070309020205020404" pitchFamily="49" charset="0"/>
               </a:rPr>
-              <a:t>= </a:t>
-            </a:r>
-            <a:r>
-              <a:rPr lang="en-US" sz="2400" dirty="0" err="1">
-                <a:latin typeface="Courier New" panose="02070309020205020404" pitchFamily="49" charset="0"/>
-                <a:cs typeface="Courier New" panose="02070309020205020404" pitchFamily="49" charset="0"/>
-              </a:rPr>
-              <a:t>containerName</a:t>
-            </a:r>
-            <a:r>
-              <a:rPr lang="en-US" sz="2400" dirty="0">
-                <a:latin typeface="Courier New" panose="02070309020205020404" pitchFamily="49" charset="0"/>
-                <a:cs typeface="Courier New" panose="02070309020205020404" pitchFamily="49" charset="0"/>
-              </a:rPr>
-              <a:t>[index</a:t>
-            </a:r>
-            <a:r>
-              <a:rPr lang="en-US" sz="2400" dirty="0" smtClean="0">
-                <a:latin typeface="Courier New" panose="02070309020205020404" pitchFamily="49" charset="0"/>
-                <a:cs typeface="Courier New" panose="02070309020205020404" pitchFamily="49" charset="0"/>
-              </a:rPr>
-              <a:t>];</a:t>
+              <a:t>[index];</a:t>
             </a:r>
             <a:endParaRPr lang="en-US" sz="2400" b="1" dirty="0">
               <a:latin typeface="Courier New" panose="02070309020205020404" pitchFamily="49" charset="0"/>
@@ -12756,7 +12049,7 @@
               <a:buFont typeface="Arial" panose="020B0604020202020204" pitchFamily="34" charset="0"/>
               <a:buChar char="•"/>
             </a:pPr>
-            <a:endParaRPr lang="en-US" sz="1800" b="1" dirty="0" smtClean="0">
+            <a:endParaRPr lang="en-US" sz="1800" b="1" dirty="0">
               <a:cs typeface="Courier New" panose="02070309020205020404" pitchFamily="49" charset="0"/>
             </a:endParaRPr>
           </a:p>
@@ -12791,13 +12084,6 @@
   <p:clrMapOvr>
     <a:masterClrMapping/>
   </p:clrMapOvr>
-  <p:timing>
-    <p:tnLst>
-      <p:par>
-        <p:cTn id="1" dur="indefinite" restart="never" nodeType="tmRoot"/>
-      </p:par>
-    </p:tnLst>
-  </p:timing>
 </p:sld>
 </file>
 
@@ -12836,7 +12122,7 @@
           <a:lstStyle/>
           <a:p>
             <a:r>
-              <a:rPr lang="en-US" dirty="0" smtClean="0"/>
+              <a:rPr lang="en-US" dirty="0"/>
               <a:t>Accessing Elements</a:t>
             </a:r>
             <a:endParaRPr lang="en-US" sz="3600" i="1" dirty="0"/>
@@ -12864,7 +12150,7 @@
               <a:buNone/>
             </a:pPr>
             <a:r>
-              <a:rPr lang="en-US" sz="1800" dirty="0" smtClean="0">
+              <a:rPr lang="en-US" sz="1800" dirty="0">
                 <a:latin typeface="Courier New" panose="02070309020205020404" pitchFamily="49" charset="0"/>
                 <a:cs typeface="Courier New" panose="02070309020205020404" pitchFamily="49" charset="0"/>
               </a:rPr>
@@ -12890,78 +12176,63 @@
               <a:buNone/>
             </a:pPr>
             <a:r>
-              <a:rPr lang="en-US" sz="1800" dirty="0" smtClean="0">
-                <a:latin typeface="Courier New" panose="02070309020205020404" pitchFamily="49" charset="0"/>
-                <a:cs typeface="Courier New" panose="02070309020205020404" pitchFamily="49" charset="0"/>
-              </a:rPr>
-              <a:t>{</a:t>
-            </a:r>
-            <a:endParaRPr lang="en-US" sz="1800" dirty="0">
-              <a:latin typeface="Courier New" panose="02070309020205020404" pitchFamily="49" charset="0"/>
-              <a:cs typeface="Courier New" panose="02070309020205020404" pitchFamily="49" charset="0"/>
-            </a:endParaRPr>
-          </a:p>
-          <a:p>
-            <a:pPr marL="203200" indent="0">
-              <a:buNone/>
-            </a:pPr>
-            <a:r>
-              <a:rPr lang="en-US" sz="1800" dirty="0" smtClean="0">
-                <a:latin typeface="Courier New" panose="02070309020205020404" pitchFamily="49" charset="0"/>
-                <a:cs typeface="Courier New" panose="02070309020205020404" pitchFamily="49" charset="0"/>
-              </a:rPr>
-              <a:t>		</a:t>
-            </a:r>
-            <a:r>
-              <a:rPr lang="en-US" sz="1800" dirty="0" err="1" smtClean="0">
-                <a:latin typeface="Courier New" panose="02070309020205020404" pitchFamily="49" charset="0"/>
-                <a:cs typeface="Courier New" panose="02070309020205020404" pitchFamily="49" charset="0"/>
-              </a:rPr>
-              <a:t>Debug.Log</a:t>
-            </a:r>
-            <a:r>
               <a:rPr lang="en-US" sz="1800" dirty="0">
                 <a:latin typeface="Courier New" panose="02070309020205020404" pitchFamily="49" charset="0"/>
                 <a:cs typeface="Courier New" panose="02070309020205020404" pitchFamily="49" charset="0"/>
               </a:rPr>
-              <a:t>("First in </a:t>
+              <a:t>{</a:t>
+            </a:r>
+          </a:p>
+          <a:p>
+            <a:pPr marL="203200" indent="0">
+              <a:buNone/>
+            </a:pPr>
+            <a:r>
+              <a:rPr lang="en-US" sz="1800" dirty="0">
+                <a:latin typeface="Courier New" panose="02070309020205020404" pitchFamily="49" charset="0"/>
+                <a:cs typeface="Courier New" panose="02070309020205020404" pitchFamily="49" charset="0"/>
+              </a:rPr>
+              <a:t>		</a:t>
             </a:r>
             <a:r>
               <a:rPr lang="en-US" sz="1800" dirty="0" err="1">
                 <a:latin typeface="Courier New" panose="02070309020205020404" pitchFamily="49" charset="0"/>
                 <a:cs typeface="Courier New" panose="02070309020205020404" pitchFamily="49" charset="0"/>
               </a:rPr>
-              <a:t>GameObjectArray</a:t>
+              <a:t>Debug.Log</a:t>
             </a:r>
             <a:r>
               <a:rPr lang="en-US" sz="1800" dirty="0">
                 <a:latin typeface="Courier New" panose="02070309020205020404" pitchFamily="49" charset="0"/>
                 <a:cs typeface="Courier New" panose="02070309020205020404" pitchFamily="49" charset="0"/>
               </a:rPr>
-              <a:t> : " </a:t>
-            </a:r>
-            <a:endParaRPr lang="en-US" sz="1800" dirty="0" smtClean="0">
-              <a:latin typeface="Courier New" panose="02070309020205020404" pitchFamily="49" charset="0"/>
-              <a:cs typeface="Courier New" panose="02070309020205020404" pitchFamily="49" charset="0"/>
-            </a:endParaRPr>
-          </a:p>
-          <a:p>
-            <a:pPr marL="203200" indent="0">
-              <a:buNone/>
-            </a:pPr>
+              <a:t>("First in </a:t>
+            </a:r>
+            <a:r>
+              <a:rPr lang="en-US" sz="1800" dirty="0" err="1">
+                <a:latin typeface="Courier New" panose="02070309020205020404" pitchFamily="49" charset="0"/>
+                <a:cs typeface="Courier New" panose="02070309020205020404" pitchFamily="49" charset="0"/>
+              </a:rPr>
+              <a:t>GameObjectArray</a:t>
+            </a:r>
             <a:r>
               <a:rPr lang="en-US" sz="1800" dirty="0">
                 <a:latin typeface="Courier New" panose="02070309020205020404" pitchFamily="49" charset="0"/>
                 <a:cs typeface="Courier New" panose="02070309020205020404" pitchFamily="49" charset="0"/>
               </a:rPr>
-              <a:t>	</a:t>
-            </a:r>
-            <a:r>
-              <a:rPr lang="en-US" sz="1800" dirty="0" smtClean="0">
+              <a:t> : " </a:t>
+            </a:r>
+          </a:p>
+          <a:p>
+            <a:pPr marL="203200" indent="0">
+              <a:buNone/>
+            </a:pPr>
+            <a:r>
+              <a:rPr lang="en-US" sz="1800" dirty="0">
                 <a:latin typeface="Courier New" panose="02070309020205020404" pitchFamily="49" charset="0"/>
                 <a:cs typeface="Courier New" panose="02070309020205020404" pitchFamily="49" charset="0"/>
               </a:rPr>
-              <a:t>					+ </a:t>
+              <a:t>						+ </a:t>
             </a:r>
             <a:r>
               <a:rPr lang="en-US" sz="1800" dirty="0" err="1">
@@ -12983,62 +12254,51 @@
               <a:buNone/>
             </a:pPr>
             <a:r>
-              <a:rPr lang="en-US" sz="1800" dirty="0" smtClean="0">
-                <a:latin typeface="Courier New" panose="02070309020205020404" pitchFamily="49" charset="0"/>
-                <a:cs typeface="Courier New" panose="02070309020205020404" pitchFamily="49" charset="0"/>
-              </a:rPr>
-              <a:t>		</a:t>
-            </a:r>
-            <a:r>
-              <a:rPr lang="en-US" sz="1800" dirty="0" err="1" smtClean="0">
-                <a:latin typeface="Courier New" panose="02070309020205020404" pitchFamily="49" charset="0"/>
-                <a:cs typeface="Courier New" panose="02070309020205020404" pitchFamily="49" charset="0"/>
-              </a:rPr>
-              <a:t>Debug.Log</a:t>
-            </a:r>
-            <a:r>
               <a:rPr lang="en-US" sz="1800" dirty="0">
                 <a:latin typeface="Courier New" panose="02070309020205020404" pitchFamily="49" charset="0"/>
                 <a:cs typeface="Courier New" panose="02070309020205020404" pitchFamily="49" charset="0"/>
               </a:rPr>
-              <a:t>("First in </a:t>
+              <a:t>		</a:t>
             </a:r>
             <a:r>
               <a:rPr lang="en-US" sz="1800" dirty="0" err="1">
                 <a:latin typeface="Courier New" panose="02070309020205020404" pitchFamily="49" charset="0"/>
                 <a:cs typeface="Courier New" panose="02070309020205020404" pitchFamily="49" charset="0"/>
               </a:rPr>
-              <a:t>GameObjectList</a:t>
+              <a:t>Debug.Log</a:t>
             </a:r>
             <a:r>
               <a:rPr lang="en-US" sz="1800" dirty="0">
                 <a:latin typeface="Courier New" panose="02070309020205020404" pitchFamily="49" charset="0"/>
                 <a:cs typeface="Courier New" panose="02070309020205020404" pitchFamily="49" charset="0"/>
               </a:rPr>
-              <a:t> : " </a:t>
-            </a:r>
-            <a:endParaRPr lang="en-US" sz="1800" dirty="0" smtClean="0">
-              <a:latin typeface="Courier New" panose="02070309020205020404" pitchFamily="49" charset="0"/>
-              <a:cs typeface="Courier New" panose="02070309020205020404" pitchFamily="49" charset="0"/>
-            </a:endParaRPr>
-          </a:p>
-          <a:p>
-            <a:pPr marL="203200" indent="0">
-              <a:buNone/>
-            </a:pPr>
+              <a:t>("First in </a:t>
+            </a:r>
+            <a:r>
+              <a:rPr lang="en-US" sz="1800" dirty="0" err="1">
+                <a:latin typeface="Courier New" panose="02070309020205020404" pitchFamily="49" charset="0"/>
+                <a:cs typeface="Courier New" panose="02070309020205020404" pitchFamily="49" charset="0"/>
+              </a:rPr>
+              <a:t>GameObjectList</a:t>
+            </a:r>
             <a:r>
               <a:rPr lang="en-US" sz="1800" dirty="0">
                 <a:latin typeface="Courier New" panose="02070309020205020404" pitchFamily="49" charset="0"/>
                 <a:cs typeface="Courier New" panose="02070309020205020404" pitchFamily="49" charset="0"/>
               </a:rPr>
-              <a:t>	</a:t>
-            </a:r>
-            <a:r>
-              <a:rPr lang="en-US" sz="1800" dirty="0" smtClean="0">
+              <a:t> : " </a:t>
+            </a:r>
+          </a:p>
+          <a:p>
+            <a:pPr marL="203200" indent="0">
+              <a:buNone/>
+            </a:pPr>
+            <a:r>
+              <a:rPr lang="en-US" sz="1800" dirty="0">
                 <a:latin typeface="Courier New" panose="02070309020205020404" pitchFamily="49" charset="0"/>
                 <a:cs typeface="Courier New" panose="02070309020205020404" pitchFamily="49" charset="0"/>
               </a:rPr>
-              <a:t>					+ </a:t>
+              <a:t>						+ </a:t>
             </a:r>
             <a:r>
               <a:rPr lang="en-US" sz="1800" dirty="0" err="1">
@@ -13060,7 +12320,7 @@
               <a:buNone/>
             </a:pPr>
             <a:r>
-              <a:rPr lang="en-US" sz="1800" dirty="0" smtClean="0">
+              <a:rPr lang="en-US" sz="1800" dirty="0">
                 <a:latin typeface="Courier New" panose="02070309020205020404" pitchFamily="49" charset="0"/>
                 <a:cs typeface="Courier New" panose="02070309020205020404" pitchFamily="49" charset="0"/>
               </a:rPr>
@@ -13102,13 +12362,6 @@
   <p:clrMapOvr>
     <a:masterClrMapping/>
   </p:clrMapOvr>
-  <p:timing>
-    <p:tnLst>
-      <p:par>
-        <p:cTn id="1" dur="indefinite" restart="never" nodeType="tmRoot"/>
-      </p:par>
-    </p:tnLst>
-  </p:timing>
 </p:sld>
 </file>
 
@@ -13147,7 +12400,7 @@
           <a:lstStyle/>
           <a:p>
             <a:r>
-              <a:rPr lang="en-US" dirty="0" smtClean="0"/>
+              <a:rPr lang="en-US" dirty="0"/>
               <a:t>Container Size</a:t>
             </a:r>
             <a:endParaRPr lang="en-US" sz="3600" i="1" dirty="0"/>
@@ -13175,7 +12428,7 @@
               <a:buNone/>
             </a:pPr>
             <a:r>
-              <a:rPr lang="en-US" sz="1800" dirty="0" smtClean="0">
+              <a:rPr lang="en-US" sz="1800" dirty="0">
                 <a:latin typeface="Courier New" panose="02070309020205020404" pitchFamily="49" charset="0"/>
                 <a:cs typeface="Courier New" panose="02070309020205020404" pitchFamily="49" charset="0"/>
               </a:rPr>
@@ -13189,66 +12442,62 @@
               <a:t>ShowLengths</a:t>
             </a:r>
             <a:r>
-              <a:rPr lang="en-US" sz="1800" dirty="0" smtClean="0">
-                <a:latin typeface="Courier New" panose="02070309020205020404" pitchFamily="49" charset="0"/>
-                <a:cs typeface="Courier New" panose="02070309020205020404" pitchFamily="49" charset="0"/>
-              </a:rPr>
-              <a:t>()</a:t>
-            </a:r>
-          </a:p>
-          <a:p>
-            <a:pPr marL="203200" indent="0">
-              <a:buNone/>
-            </a:pPr>
-            <a:r>
-              <a:rPr lang="en-US" sz="1800" dirty="0" smtClean="0">
-                <a:latin typeface="Courier New" panose="02070309020205020404" pitchFamily="49" charset="0"/>
-                <a:cs typeface="Courier New" panose="02070309020205020404" pitchFamily="49" charset="0"/>
-              </a:rPr>
-              <a:t>{</a:t>
-            </a:r>
-            <a:endParaRPr lang="en-US" sz="1800" dirty="0">
-              <a:latin typeface="Courier New" panose="02070309020205020404" pitchFamily="49" charset="0"/>
-              <a:cs typeface="Courier New" panose="02070309020205020404" pitchFamily="49" charset="0"/>
-            </a:endParaRPr>
-          </a:p>
-          <a:p>
-            <a:pPr marL="203200" indent="0">
-              <a:buNone/>
-            </a:pPr>
-            <a:r>
-              <a:rPr lang="en-US" sz="1800" dirty="0" smtClean="0">
-                <a:latin typeface="Courier New" panose="02070309020205020404" pitchFamily="49" charset="0"/>
-                <a:cs typeface="Courier New" panose="02070309020205020404" pitchFamily="49" charset="0"/>
-              </a:rPr>
-              <a:t>		</a:t>
-            </a:r>
-            <a:r>
-              <a:rPr lang="en-US" sz="1800" dirty="0" err="1" smtClean="0">
-                <a:latin typeface="Courier New" panose="02070309020205020404" pitchFamily="49" charset="0"/>
-                <a:cs typeface="Courier New" panose="02070309020205020404" pitchFamily="49" charset="0"/>
-              </a:rPr>
-              <a:t>Debug.Log</a:t>
-            </a:r>
-            <a:r>
               <a:rPr lang="en-US" sz="1800" dirty="0">
                 <a:latin typeface="Courier New" panose="02070309020205020404" pitchFamily="49" charset="0"/>
                 <a:cs typeface="Courier New" panose="02070309020205020404" pitchFamily="49" charset="0"/>
               </a:rPr>
-              <a:t>("</a:t>
+              <a:t>()</a:t>
+            </a:r>
+          </a:p>
+          <a:p>
+            <a:pPr marL="203200" indent="0">
+              <a:buNone/>
+            </a:pPr>
+            <a:r>
+              <a:rPr lang="en-US" sz="1800" dirty="0">
+                <a:latin typeface="Courier New" panose="02070309020205020404" pitchFamily="49" charset="0"/>
+                <a:cs typeface="Courier New" panose="02070309020205020404" pitchFamily="49" charset="0"/>
+              </a:rPr>
+              <a:t>{</a:t>
+            </a:r>
+          </a:p>
+          <a:p>
+            <a:pPr marL="203200" indent="0">
+              <a:buNone/>
+            </a:pPr>
+            <a:r>
+              <a:rPr lang="en-US" sz="1800" dirty="0">
+                <a:latin typeface="Courier New" panose="02070309020205020404" pitchFamily="49" charset="0"/>
+                <a:cs typeface="Courier New" panose="02070309020205020404" pitchFamily="49" charset="0"/>
+              </a:rPr>
+              <a:t>		</a:t>
             </a:r>
             <a:r>
               <a:rPr lang="en-US" sz="1800" dirty="0" err="1">
                 <a:latin typeface="Courier New" panose="02070309020205020404" pitchFamily="49" charset="0"/>
                 <a:cs typeface="Courier New" panose="02070309020205020404" pitchFamily="49" charset="0"/>
               </a:rPr>
-              <a:t>IntArray</a:t>
+              <a:t>Debug.Log</a:t>
             </a:r>
             <a:r>
               <a:rPr lang="en-US" sz="1800" dirty="0">
                 <a:latin typeface="Courier New" panose="02070309020205020404" pitchFamily="49" charset="0"/>
                 <a:cs typeface="Courier New" panose="02070309020205020404" pitchFamily="49" charset="0"/>
               </a:rPr>
+              <a:t>("</a:t>
+            </a:r>
+            <a:r>
+              <a:rPr lang="en-US" sz="1800" dirty="0" err="1">
+                <a:latin typeface="Courier New" panose="02070309020205020404" pitchFamily="49" charset="0"/>
+                <a:cs typeface="Courier New" panose="02070309020205020404" pitchFamily="49" charset="0"/>
+              </a:rPr>
+              <a:t>IntArray</a:t>
+            </a:r>
+            <a:r>
+              <a:rPr lang="en-US" sz="1800" dirty="0">
+                <a:latin typeface="Courier New" panose="02070309020205020404" pitchFamily="49" charset="0"/>
+                <a:cs typeface="Courier New" panose="02070309020205020404" pitchFamily="49" charset="0"/>
+              </a:rPr>
               <a:t> : " + </a:t>
             </a:r>
             <a:r>
@@ -13271,62 +12520,51 @@
               <a:buNone/>
             </a:pPr>
             <a:r>
-              <a:rPr lang="en-US" sz="1800" dirty="0" smtClean="0">
-                <a:latin typeface="Courier New" panose="02070309020205020404" pitchFamily="49" charset="0"/>
-                <a:cs typeface="Courier New" panose="02070309020205020404" pitchFamily="49" charset="0"/>
-              </a:rPr>
-              <a:t>		</a:t>
-            </a:r>
-            <a:r>
-              <a:rPr lang="en-US" sz="1800" dirty="0" err="1" smtClean="0">
-                <a:latin typeface="Courier New" panose="02070309020205020404" pitchFamily="49" charset="0"/>
-                <a:cs typeface="Courier New" panose="02070309020205020404" pitchFamily="49" charset="0"/>
-              </a:rPr>
-              <a:t>Debug.Log</a:t>
-            </a:r>
-            <a:r>
               <a:rPr lang="en-US" sz="1800" dirty="0">
                 <a:latin typeface="Courier New" panose="02070309020205020404" pitchFamily="49" charset="0"/>
                 <a:cs typeface="Courier New" panose="02070309020205020404" pitchFamily="49" charset="0"/>
               </a:rPr>
-              <a:t>("</a:t>
+              <a:t>		</a:t>
             </a:r>
             <a:r>
               <a:rPr lang="en-US" sz="1800" dirty="0" err="1">
                 <a:latin typeface="Courier New" panose="02070309020205020404" pitchFamily="49" charset="0"/>
                 <a:cs typeface="Courier New" panose="02070309020205020404" pitchFamily="49" charset="0"/>
               </a:rPr>
-              <a:t>GameObjectArray</a:t>
+              <a:t>Debug.Log</a:t>
             </a:r>
             <a:r>
               <a:rPr lang="en-US" sz="1800" dirty="0">
                 <a:latin typeface="Courier New" panose="02070309020205020404" pitchFamily="49" charset="0"/>
                 <a:cs typeface="Courier New" panose="02070309020205020404" pitchFamily="49" charset="0"/>
               </a:rPr>
-              <a:t> : " </a:t>
-            </a:r>
-            <a:endParaRPr lang="en-US" sz="1800" dirty="0" smtClean="0">
-              <a:latin typeface="Courier New" panose="02070309020205020404" pitchFamily="49" charset="0"/>
-              <a:cs typeface="Courier New" panose="02070309020205020404" pitchFamily="49" charset="0"/>
-            </a:endParaRPr>
-          </a:p>
-          <a:p>
-            <a:pPr marL="203200" indent="0">
-              <a:buNone/>
-            </a:pPr>
+              <a:t>("</a:t>
+            </a:r>
+            <a:r>
+              <a:rPr lang="en-US" sz="1800" dirty="0" err="1">
+                <a:latin typeface="Courier New" panose="02070309020205020404" pitchFamily="49" charset="0"/>
+                <a:cs typeface="Courier New" panose="02070309020205020404" pitchFamily="49" charset="0"/>
+              </a:rPr>
+              <a:t>GameObjectArray</a:t>
+            </a:r>
             <a:r>
               <a:rPr lang="en-US" sz="1800" dirty="0">
                 <a:latin typeface="Courier New" panose="02070309020205020404" pitchFamily="49" charset="0"/>
                 <a:cs typeface="Courier New" panose="02070309020205020404" pitchFamily="49" charset="0"/>
               </a:rPr>
-              <a:t>	</a:t>
-            </a:r>
-            <a:r>
-              <a:rPr lang="en-US" sz="1800" dirty="0" smtClean="0">
+              <a:t> : " </a:t>
+            </a:r>
+          </a:p>
+          <a:p>
+            <a:pPr marL="203200" indent="0">
+              <a:buNone/>
+            </a:pPr>
+            <a:r>
+              <a:rPr lang="en-US" sz="1800" dirty="0">
                 <a:latin typeface="Courier New" panose="02070309020205020404" pitchFamily="49" charset="0"/>
                 <a:cs typeface="Courier New" panose="02070309020205020404" pitchFamily="49" charset="0"/>
               </a:rPr>
-              <a:t>					+ </a:t>
+              <a:t>						+ </a:t>
             </a:r>
             <a:r>
               <a:rPr lang="en-US" sz="1800" b="1" dirty="0" err="1">
@@ -13348,62 +12586,51 @@
               <a:buNone/>
             </a:pPr>
             <a:r>
-              <a:rPr lang="en-US" sz="1800" dirty="0" smtClean="0">
-                <a:latin typeface="Courier New" panose="02070309020205020404" pitchFamily="49" charset="0"/>
-                <a:cs typeface="Courier New" panose="02070309020205020404" pitchFamily="49" charset="0"/>
-              </a:rPr>
-              <a:t>		</a:t>
-            </a:r>
-            <a:r>
-              <a:rPr lang="en-US" sz="1800" dirty="0" err="1" smtClean="0">
-                <a:latin typeface="Courier New" panose="02070309020205020404" pitchFamily="49" charset="0"/>
-                <a:cs typeface="Courier New" panose="02070309020205020404" pitchFamily="49" charset="0"/>
-              </a:rPr>
-              <a:t>Debug.Log</a:t>
-            </a:r>
-            <a:r>
               <a:rPr lang="en-US" sz="1800" dirty="0">
                 <a:latin typeface="Courier New" panose="02070309020205020404" pitchFamily="49" charset="0"/>
                 <a:cs typeface="Courier New" panose="02070309020205020404" pitchFamily="49" charset="0"/>
               </a:rPr>
-              <a:t>("</a:t>
+              <a:t>		</a:t>
             </a:r>
             <a:r>
               <a:rPr lang="en-US" sz="1800" dirty="0" err="1">
                 <a:latin typeface="Courier New" panose="02070309020205020404" pitchFamily="49" charset="0"/>
                 <a:cs typeface="Courier New" panose="02070309020205020404" pitchFamily="49" charset="0"/>
               </a:rPr>
-              <a:t>GameObjectList</a:t>
+              <a:t>Debug.Log</a:t>
             </a:r>
             <a:r>
               <a:rPr lang="en-US" sz="1800" dirty="0">
                 <a:latin typeface="Courier New" panose="02070309020205020404" pitchFamily="49" charset="0"/>
                 <a:cs typeface="Courier New" panose="02070309020205020404" pitchFamily="49" charset="0"/>
               </a:rPr>
-              <a:t> : " </a:t>
-            </a:r>
-            <a:endParaRPr lang="en-US" sz="1800" dirty="0" smtClean="0">
-              <a:latin typeface="Courier New" panose="02070309020205020404" pitchFamily="49" charset="0"/>
-              <a:cs typeface="Courier New" panose="02070309020205020404" pitchFamily="49" charset="0"/>
-            </a:endParaRPr>
-          </a:p>
-          <a:p>
-            <a:pPr marL="203200" indent="0">
-              <a:buNone/>
-            </a:pPr>
+              <a:t>("</a:t>
+            </a:r>
+            <a:r>
+              <a:rPr lang="en-US" sz="1800" dirty="0" err="1">
+                <a:latin typeface="Courier New" panose="02070309020205020404" pitchFamily="49" charset="0"/>
+                <a:cs typeface="Courier New" panose="02070309020205020404" pitchFamily="49" charset="0"/>
+              </a:rPr>
+              <a:t>GameObjectList</a:t>
+            </a:r>
             <a:r>
               <a:rPr lang="en-US" sz="1800" dirty="0">
                 <a:latin typeface="Courier New" panose="02070309020205020404" pitchFamily="49" charset="0"/>
                 <a:cs typeface="Courier New" panose="02070309020205020404" pitchFamily="49" charset="0"/>
               </a:rPr>
-              <a:t>	</a:t>
-            </a:r>
-            <a:r>
-              <a:rPr lang="en-US" sz="1800" dirty="0" smtClean="0">
+              <a:t> : " </a:t>
+            </a:r>
+          </a:p>
+          <a:p>
+            <a:pPr marL="203200" indent="0">
+              <a:buNone/>
+            </a:pPr>
+            <a:r>
+              <a:rPr lang="en-US" sz="1800" dirty="0">
                 <a:latin typeface="Courier New" panose="02070309020205020404" pitchFamily="49" charset="0"/>
                 <a:cs typeface="Courier New" panose="02070309020205020404" pitchFamily="49" charset="0"/>
               </a:rPr>
-              <a:t>					+ </a:t>
+              <a:t>						+ </a:t>
             </a:r>
             <a:r>
               <a:rPr lang="en-US" sz="1800" b="1" dirty="0" err="1">
@@ -13425,13 +12652,13 @@
               <a:buNone/>
             </a:pPr>
             <a:r>
-              <a:rPr lang="en-US" sz="1800" dirty="0" smtClean="0">
+              <a:rPr lang="en-US" sz="1800" dirty="0">
                 <a:latin typeface="Courier New" panose="02070309020205020404" pitchFamily="49" charset="0"/>
                 <a:cs typeface="Courier New" panose="02070309020205020404" pitchFamily="49" charset="0"/>
               </a:rPr>
               <a:t>}</a:t>
             </a:r>
-            <a:endParaRPr lang="en-US" sz="1800" b="1" dirty="0" smtClean="0">
+            <a:endParaRPr lang="en-US" sz="1800" b="1" dirty="0">
               <a:latin typeface="Courier New" panose="02070309020205020404" pitchFamily="49" charset="0"/>
               <a:cs typeface="Courier New" panose="02070309020205020404" pitchFamily="49" charset="0"/>
             </a:endParaRPr>
@@ -13467,13 +12694,6 @@
   <p:clrMapOvr>
     <a:masterClrMapping/>
   </p:clrMapOvr>
-  <p:timing>
-    <p:tnLst>
-      <p:par>
-        <p:cTn id="1" dur="indefinite" restart="never" nodeType="tmRoot"/>
-      </p:par>
-    </p:tnLst>
-  </p:timing>
 </p:sld>
 </file>
 
